--- a/files/slides/lecture_19.pptx
+++ b/files/slides/lecture_19.pptx
@@ -7227,7 +7227,7 @@
               <a:r>
                 <a:rPr lang="zh-CN" altLang="zh-CN" sz="1600" dirty="0">
                   <a:solidFill>
-                    <a:srgbClr val="FF0000"/>
+                    <a:srgbClr val="00B0F0"/>
                   </a:solidFill>
                   <a:latin typeface="微软雅黑" panose="020B0503020204020204" charset="-122"/>
                   <a:ea typeface="微软雅黑" panose="020B0503020204020204" charset="-122"/>
@@ -7247,7 +7247,7 @@
               <a:r>
                 <a:rPr lang="zh-CN" altLang="zh-CN" sz="1600" dirty="0">
                   <a:solidFill>
-                    <a:srgbClr val="FF0000"/>
+                    <a:srgbClr val="00B0F0"/>
                   </a:solidFill>
                   <a:latin typeface="微软雅黑" panose="020B0503020204020204" charset="-122"/>
                   <a:ea typeface="微软雅黑" panose="020B0503020204020204" charset="-122"/>
@@ -7256,7 +7256,7 @@
               </a:r>
               <a:endParaRPr lang="zh-CN" altLang="zh-CN" sz="1600" dirty="0">
                 <a:solidFill>
-                  <a:srgbClr val="FF0000"/>
+                  <a:srgbClr val="00B0F0"/>
                 </a:solidFill>
                 <a:latin typeface="微软雅黑" panose="020B0503020204020204" charset="-122"/>
                 <a:ea typeface="微软雅黑" panose="020B0503020204020204" charset="-122"/>
@@ -7312,7 +7312,7 @@
               <a:r>
                 <a:rPr lang="zh-CN" altLang="zh-CN" sz="1600" dirty="0">
                   <a:solidFill>
-                    <a:srgbClr val="FF0000"/>
+                    <a:srgbClr val="00B0F0"/>
                   </a:solidFill>
                   <a:latin typeface="微软雅黑" panose="020B0503020204020204" charset="-122"/>
                   <a:ea typeface="微软雅黑" panose="020B0503020204020204" charset="-122"/>
@@ -7332,7 +7332,7 @@
               <a:r>
                 <a:rPr lang="zh-CN" altLang="zh-CN" sz="1600" dirty="0">
                   <a:solidFill>
-                    <a:srgbClr val="FF0000"/>
+                    <a:srgbClr val="00B0F0"/>
                   </a:solidFill>
                   <a:latin typeface="微软雅黑" panose="020B0503020204020204" charset="-122"/>
                   <a:ea typeface="微软雅黑" panose="020B0503020204020204" charset="-122"/>
@@ -7372,7 +7372,7 @@
               <a:r>
                 <a:rPr lang="zh-CN" altLang="zh-CN" sz="1600" dirty="0">
                   <a:solidFill>
-                    <a:srgbClr val="FF0000"/>
+                    <a:srgbClr val="00B0F0"/>
                   </a:solidFill>
                   <a:latin typeface="微软雅黑" panose="020B0503020204020204" charset="-122"/>
                   <a:ea typeface="微软雅黑" panose="020B0503020204020204" charset="-122"/>
@@ -7382,27 +7382,17 @@
               <a:r>
                 <a:rPr lang="zh-CN" altLang="en-US" sz="1600" dirty="0">
                   <a:solidFill>
-                    <a:srgbClr val="000000"/>
+                    <a:srgbClr val="00B0F0"/>
                   </a:solidFill>
                   <a:latin typeface="微软雅黑" panose="020B0503020204020204" charset="-122"/>
                   <a:ea typeface="微软雅黑" panose="020B0503020204020204" charset="-122"/>
                 </a:rPr>
-                <a:t>。</a:t>
-              </a:r>
-              <a:r>
-                <a:rPr lang="zh-CN" altLang="en-US" sz="1600" dirty="0">
-                  <a:solidFill>
-                    <a:srgbClr val="FF0000"/>
-                  </a:solidFill>
-                  <a:latin typeface="微软雅黑" panose="020B0503020204020204" charset="-122"/>
-                  <a:ea typeface="微软雅黑" panose="020B0503020204020204" charset="-122"/>
-                </a:rPr>
-                <a:t>货币为</a:t>
+                <a:t>。货币为</a:t>
               </a:r>
               <a:r>
                 <a:rPr lang="zh-CN" altLang="zh-CN" sz="1600" dirty="0">
                   <a:solidFill>
-                    <a:srgbClr val="FF0000"/>
+                    <a:srgbClr val="00B0F0"/>
                   </a:solidFill>
                   <a:latin typeface="微软雅黑" panose="020B0503020204020204" charset="-122"/>
                   <a:ea typeface="微软雅黑" panose="020B0503020204020204" charset="-122"/>
@@ -7412,7 +7402,7 @@
               <a:r>
                 <a:rPr lang="zh-CN" altLang="en-US" sz="1600" dirty="0">
                   <a:solidFill>
-                    <a:srgbClr val="FF0000"/>
+                    <a:srgbClr val="00B0F0"/>
                   </a:solidFill>
                   <a:latin typeface="微软雅黑" panose="020B0503020204020204" charset="-122"/>
                   <a:ea typeface="微软雅黑" panose="020B0503020204020204" charset="-122"/>
@@ -7422,17 +7412,27 @@
               <a:r>
                 <a:rPr lang="zh-CN" altLang="zh-CN" sz="1600" dirty="0">
                   <a:solidFill>
+                    <a:srgbClr val="00B0F0"/>
+                  </a:solidFill>
+                  <a:latin typeface="微软雅黑" panose="020B0503020204020204" charset="-122"/>
+                  <a:ea typeface="微软雅黑" panose="020B0503020204020204" charset="-122"/>
+                </a:rPr>
+                <a:t>。</a:t>
+              </a:r>
+              <a:r>
+                <a:rPr lang="zh-CN" altLang="zh-CN" sz="1600" dirty="0">
+                  <a:solidFill>
                     <a:srgbClr val="000000"/>
                   </a:solidFill>
                   <a:latin typeface="微软雅黑" panose="020B0503020204020204" charset="-122"/>
                   <a:ea typeface="微软雅黑" panose="020B0503020204020204" charset="-122"/>
                 </a:rPr>
-                <a:t>。用途从</a:t>
+                <a:t>用途从</a:t>
               </a:r>
               <a:r>
                 <a:rPr lang="zh-CN" altLang="zh-CN" sz="1600" dirty="0">
                   <a:solidFill>
-                    <a:srgbClr val="FF0000"/>
+                    <a:srgbClr val="00B0F0"/>
                   </a:solidFill>
                   <a:latin typeface="微软雅黑" panose="020B0503020204020204" charset="-122"/>
                   <a:ea typeface="微软雅黑" panose="020B0503020204020204" charset="-122"/>
@@ -7452,7 +7452,7 @@
               <a:r>
                 <a:rPr lang="zh-CN" altLang="zh-CN" sz="1600" dirty="0">
                   <a:solidFill>
-                    <a:srgbClr val="FF0000"/>
+                    <a:srgbClr val="00B0F0"/>
                   </a:solidFill>
                   <a:latin typeface="微软雅黑" panose="020B0503020204020204" charset="-122"/>
                   <a:ea typeface="微软雅黑" panose="020B0503020204020204" charset="-122"/>
@@ -7996,7 +7996,7 @@
               <a:r>
                 <a:rPr lang="zh-CN" altLang="zh-CN" sz="1600" dirty="0">
                   <a:solidFill>
-                    <a:srgbClr val="FF0000"/>
+                    <a:srgbClr val="00B0F0"/>
                   </a:solidFill>
                   <a:latin typeface="微软雅黑" panose="020B0503020204020204" charset="-122"/>
                   <a:ea typeface="微软雅黑" panose="020B0503020204020204" charset="-122"/>
@@ -8126,7 +8126,7 @@
               <a:r>
                 <a:rPr lang="zh-CN" altLang="zh-CN" sz="1600" dirty="0">
                   <a:solidFill>
-                    <a:srgbClr val="FF0000"/>
+                    <a:srgbClr val="00B0F0"/>
                   </a:solidFill>
                   <a:latin typeface="微软雅黑" panose="020B0503020204020204" charset="-122"/>
                   <a:ea typeface="微软雅黑" panose="020B0503020204020204" charset="-122"/>
@@ -8146,7 +8146,7 @@
               <a:r>
                 <a:rPr lang="zh-CN" altLang="zh-CN" sz="1600" dirty="0">
                   <a:solidFill>
-                    <a:srgbClr val="FF0000"/>
+                    <a:srgbClr val="00B0F0"/>
                   </a:solidFill>
                   <a:latin typeface="微软雅黑" panose="020B0503020204020204" charset="-122"/>
                   <a:ea typeface="微软雅黑" panose="020B0503020204020204" charset="-122"/>
@@ -8277,7 +8277,7 @@
               <a:r>
                 <a:rPr lang="zh-CN" altLang="zh-CN" sz="1600" dirty="0">
                   <a:solidFill>
-                    <a:srgbClr val="FF0000"/>
+                    <a:srgbClr val="00B0F0"/>
                   </a:solidFill>
                   <a:latin typeface="微软雅黑" panose="020B0503020204020204" charset="-122"/>
                   <a:ea typeface="微软雅黑" panose="020B0503020204020204" charset="-122"/>
@@ -8299,7 +8299,7 @@
               <a:r>
                 <a:rPr lang="zh-CN" altLang="zh-CN" sz="1600" dirty="0">
                   <a:solidFill>
-                    <a:srgbClr val="FF0000"/>
+                    <a:srgbClr val="00B0F0"/>
                   </a:solidFill>
                   <a:latin typeface="微软雅黑" panose="020B0503020204020204" charset="-122"/>
                   <a:ea typeface="微软雅黑" panose="020B0503020204020204" charset="-122"/>
@@ -8321,7 +8321,7 @@
               <a:r>
                 <a:rPr lang="zh-CN" altLang="zh-CN" sz="1600" dirty="0">
                   <a:solidFill>
-                    <a:srgbClr val="FF0000"/>
+                    <a:srgbClr val="00B0F0"/>
                   </a:solidFill>
                   <a:latin typeface="微软雅黑" panose="020B0503020204020204" charset="-122"/>
                   <a:ea typeface="微软雅黑" panose="020B0503020204020204" charset="-122"/>
@@ -8343,7 +8343,7 @@
               <a:r>
                 <a:rPr lang="zh-CN" altLang="zh-CN" sz="1600" dirty="0">
                   <a:solidFill>
-                    <a:srgbClr val="FF0000"/>
+                    <a:srgbClr val="00B0F0"/>
                   </a:solidFill>
                   <a:latin typeface="微软雅黑" panose="020B0503020204020204" charset="-122"/>
                   <a:ea typeface="微软雅黑" panose="020B0503020204020204" charset="-122"/>
@@ -8365,7 +8365,7 @@
               <a:r>
                 <a:rPr lang="zh-CN" altLang="zh-CN" sz="1600" dirty="0">
                   <a:solidFill>
-                    <a:srgbClr val="FF0000"/>
+                    <a:srgbClr val="00B0F0"/>
                   </a:solidFill>
                   <a:latin typeface="微软雅黑" panose="020B0503020204020204" charset="-122"/>
                   <a:ea typeface="微软雅黑" panose="020B0503020204020204" charset="-122"/>
@@ -8376,7 +8376,7 @@
               <a:r>
                 <a:rPr lang="en-US" altLang="zh-CN" sz="1600">
                   <a:solidFill>
-                    <a:srgbClr val="FF0000"/>
+                    <a:srgbClr val="00B0F0"/>
                   </a:solidFill>
                   <a:latin typeface="微软雅黑" panose="020B0503020204020204" charset="-122"/>
                   <a:ea typeface="微软雅黑" panose="020B0503020204020204" charset="-122"/>
@@ -8510,7 +8510,7 @@
               <a:r>
                 <a:rPr lang="zh-CN" altLang="zh-CN" sz="1600" dirty="0">
                   <a:solidFill>
-                    <a:srgbClr val="FF0000"/>
+                    <a:srgbClr val="00B0F0"/>
                   </a:solidFill>
                   <a:latin typeface="微软雅黑" panose="020B0503020204020204" charset="-122"/>
                   <a:ea typeface="微软雅黑" panose="020B0503020204020204" charset="-122"/>
@@ -8521,7 +8521,7 @@
               <a:r>
                 <a:rPr lang="en-US" altLang="zh-CN" sz="1600">
                   <a:solidFill>
-                    <a:srgbClr val="FF0000"/>
+                    <a:srgbClr val="00B0F0"/>
                   </a:solidFill>
                   <a:latin typeface="微软雅黑" panose="020B0503020204020204" charset="-122"/>
                   <a:ea typeface="微软雅黑" panose="020B0503020204020204" charset="-122"/>
@@ -8532,7 +8532,7 @@
               <a:r>
                 <a:rPr lang="zh-CN" altLang="zh-CN" sz="1600" dirty="0">
                   <a:solidFill>
-                    <a:srgbClr val="FF0000"/>
+                    <a:srgbClr val="00B0F0"/>
                   </a:solidFill>
                   <a:latin typeface="微软雅黑" panose="020B0503020204020204" charset="-122"/>
                   <a:ea typeface="微软雅黑" panose="020B0503020204020204" charset="-122"/>
@@ -8543,7 +8543,7 @@
               <a:r>
                 <a:rPr lang="en-US" altLang="zh-CN" sz="1600" dirty="0">
                   <a:solidFill>
-                    <a:srgbClr val="FF0000"/>
+                    <a:srgbClr val="00B0F0"/>
                   </a:solidFill>
                   <a:latin typeface="微软雅黑" panose="020B0503020204020204" charset="-122"/>
                   <a:ea typeface="微软雅黑" panose="020B0503020204020204" charset="-122"/>
@@ -8554,7 +8554,7 @@
               <a:r>
                 <a:rPr lang="zh-CN" altLang="en-US" sz="1600" dirty="0">
                   <a:solidFill>
-                    <a:srgbClr val="FF0000"/>
+                    <a:srgbClr val="00B0F0"/>
                   </a:solidFill>
                   <a:latin typeface="微软雅黑" panose="020B0503020204020204" charset="-122"/>
                   <a:ea typeface="微软雅黑" panose="020B0503020204020204" charset="-122"/>
@@ -8565,7 +8565,7 @@
               <a:r>
                 <a:rPr lang="zh-CN" altLang="zh-CN" sz="1600" dirty="0">
                   <a:solidFill>
-                    <a:srgbClr val="FF0000"/>
+                    <a:srgbClr val="00B0F0"/>
                   </a:solidFill>
                   <a:latin typeface="微软雅黑" panose="020B0503020204020204" charset="-122"/>
                   <a:ea typeface="微软雅黑" panose="020B0503020204020204" charset="-122"/>
@@ -8653,7 +8653,7 @@
               <a:r>
                 <a:rPr lang="zh-CN" altLang="zh-CN" sz="1600" dirty="0">
                   <a:solidFill>
-                    <a:srgbClr val="FF0000"/>
+                    <a:srgbClr val="00B0F0"/>
                   </a:solidFill>
                   <a:latin typeface="微软雅黑" panose="020B0503020204020204" charset="-122"/>
                   <a:ea typeface="微软雅黑" panose="020B0503020204020204" charset="-122"/>
@@ -8675,7 +8675,7 @@
               <a:r>
                 <a:rPr lang="zh-CN" altLang="zh-CN" sz="1600" dirty="0">
                   <a:solidFill>
-                    <a:srgbClr val="FF0000"/>
+                    <a:srgbClr val="00B0F0"/>
                   </a:solidFill>
                   <a:latin typeface="微软雅黑" panose="020B0503020204020204" charset="-122"/>
                   <a:ea typeface="微软雅黑" panose="020B0503020204020204" charset="-122"/>
@@ -9683,7 +9683,7 @@
               <a:r>
                 <a:rPr kumimoji="0" lang="zh-CN" altLang="en-US" sz="1800" b="0" i="0" u="none" strike="noStrike" kern="0" cap="all" spc="0" normalizeH="0" baseline="0" noProof="1">
                   <a:solidFill>
-                    <a:schemeClr val="tx2"/>
+                    <a:schemeClr val="tx1"/>
                   </a:solidFill>
                   <a:latin typeface="微软雅黑" panose="020B0503020204020204" charset="-122"/>
                   <a:ea typeface="微软雅黑" panose="020B0503020204020204" charset="-122"/>
@@ -9694,7 +9694,7 @@
               <a:br>
                 <a:rPr lang="zh-CN" altLang="en-US" sz="1800" b="0">
                   <a:solidFill>
-                    <a:schemeClr val="tx2"/>
+                    <a:schemeClr val="tx1"/>
                   </a:solidFill>
                   <a:latin typeface="微软雅黑" panose="020B0503020204020204" charset="-122"/>
                   <a:ea typeface="微软雅黑" panose="020B0503020204020204" charset="-122"/>
@@ -9704,18 +9704,29 @@
               <a:r>
                 <a:rPr kumimoji="0" lang="zh-CN" altLang="en-US" sz="1800" b="0" i="0" u="none" strike="noStrike" kern="0" cap="all" spc="0" normalizeH="0" baseline="0" noProof="1">
                   <a:solidFill>
-                    <a:srgbClr val="FF0000"/>
+                    <a:schemeClr val="tx1"/>
                   </a:solidFill>
                   <a:latin typeface="微软雅黑" panose="020B0503020204020204" charset="-122"/>
                   <a:ea typeface="微软雅黑" panose="020B0503020204020204" charset="-122"/>
                   <a:cs typeface="微软雅黑" panose="020B0503020204020204" charset="-122"/>
                 </a:rPr>
-                <a:t>1. 商业信用保险</a:t>
+                <a:t>1. </a:t>
+              </a:r>
+              <a:r>
+                <a:rPr kumimoji="0" lang="zh-CN" altLang="en-US" sz="1800" b="0" i="0" u="none" strike="noStrike" kern="0" cap="all" spc="0" normalizeH="0" baseline="0" noProof="1">
+                  <a:solidFill>
+                    <a:srgbClr val="00B0F0"/>
+                  </a:solidFill>
+                  <a:latin typeface="微软雅黑" panose="020B0503020204020204" charset="-122"/>
+                  <a:ea typeface="微软雅黑" panose="020B0503020204020204" charset="-122"/>
+                  <a:cs typeface="微软雅黑" panose="020B0503020204020204" charset="-122"/>
+                </a:rPr>
+                <a:t>商业信用保险</a:t>
               </a:r>
               <a:br>
                 <a:rPr lang="zh-CN" altLang="en-US" sz="1800" b="0">
                   <a:solidFill>
-                    <a:schemeClr val="tx2"/>
+                    <a:schemeClr val="tx1"/>
                   </a:solidFill>
                   <a:latin typeface="微软雅黑" panose="020B0503020204020204" charset="-122"/>
                   <a:ea typeface="微软雅黑" panose="020B0503020204020204" charset="-122"/>
@@ -9725,40 +9736,18 @@
               <a:r>
                 <a:rPr kumimoji="0" lang="zh-CN" altLang="en-US" sz="1800" b="0" i="0" u="none" strike="noStrike" kern="0" cap="all" spc="0" normalizeH="0" baseline="0" noProof="1">
                   <a:solidFill>
-                    <a:schemeClr val="tx2"/>
+                    <a:schemeClr val="tx1"/>
                   </a:solidFill>
                   <a:latin typeface="微软雅黑" panose="020B0503020204020204" charset="-122"/>
                   <a:ea typeface="微软雅黑" panose="020B0503020204020204" charset="-122"/>
                   <a:cs typeface="微软雅黑" panose="020B0503020204020204" charset="-122"/>
                 </a:rPr>
-                <a:t>商业信用保险主要是针对企业</a:t>
-              </a:r>
-              <a:r>
-                <a:rPr kumimoji="0" lang="zh-CN" altLang="en-US" sz="1800" b="0" i="0" u="none" strike="noStrike" kern="0" cap="all" spc="0" normalizeH="0" baseline="0" noProof="1">
-                  <a:solidFill>
-                    <a:srgbClr val="FF0000"/>
-                  </a:solidFill>
-                  <a:latin typeface="微软雅黑" panose="020B0503020204020204" charset="-122"/>
-                  <a:ea typeface="微软雅黑" panose="020B0503020204020204" charset="-122"/>
-                  <a:cs typeface="微软雅黑" panose="020B0503020204020204" charset="-122"/>
-                </a:rPr>
-                <a:t>在商品交易过程中所产生的风险</a:t>
-              </a:r>
-              <a:r>
-                <a:rPr kumimoji="0" lang="zh-CN" altLang="en-US" sz="1800" b="0" i="0" u="none" strike="noStrike" kern="0" cap="all" spc="0" normalizeH="0" baseline="0" noProof="1">
-                  <a:solidFill>
-                    <a:schemeClr val="tx2"/>
-                  </a:solidFill>
-                  <a:latin typeface="微软雅黑" panose="020B0503020204020204" charset="-122"/>
-                  <a:ea typeface="微软雅黑" panose="020B0503020204020204" charset="-122"/>
-                  <a:cs typeface="微软雅黑" panose="020B0503020204020204" charset="-122"/>
-                </a:rPr>
-                <a:t>，具体业务包括贷款信用保险、赊销信用保险、预付信用保险。</a:t>
+                <a:t>商业信用保险主要是针对企业在商品交易过程中所产生的风险，具体业务包括贷款信用保险、赊销信用保险、预付信用保险。</a:t>
               </a:r>
               <a:br>
                 <a:rPr lang="zh-CN" altLang="en-US" sz="1800" b="0">
                   <a:solidFill>
-                    <a:schemeClr val="tx2"/>
+                    <a:schemeClr val="tx1"/>
                   </a:solidFill>
                   <a:latin typeface="微软雅黑" panose="020B0503020204020204" charset="-122"/>
                   <a:ea typeface="微软雅黑" panose="020B0503020204020204" charset="-122"/>
@@ -9768,18 +9757,29 @@
               <a:r>
                 <a:rPr kumimoji="0" lang="zh-CN" altLang="en-US" sz="1800" b="0" i="0" u="none" strike="noStrike" kern="0" cap="all" spc="0" normalizeH="0" baseline="0" noProof="1">
                   <a:solidFill>
-                    <a:srgbClr val="FF0000"/>
+                    <a:schemeClr val="tx1"/>
                   </a:solidFill>
                   <a:latin typeface="微软雅黑" panose="020B0503020204020204" charset="-122"/>
                   <a:ea typeface="微软雅黑" panose="020B0503020204020204" charset="-122"/>
                   <a:cs typeface="微软雅黑" panose="020B0503020204020204" charset="-122"/>
                 </a:rPr>
-                <a:t>2. 出口信用保险</a:t>
+                <a:t>2. </a:t>
+              </a:r>
+              <a:r>
+                <a:rPr kumimoji="0" lang="zh-CN" altLang="en-US" sz="1800" b="0" i="0" u="none" strike="noStrike" kern="0" cap="all" spc="0" normalizeH="0" baseline="0" noProof="1">
+                  <a:solidFill>
+                    <a:srgbClr val="00B0F0"/>
+                  </a:solidFill>
+                  <a:latin typeface="微软雅黑" panose="020B0503020204020204" charset="-122"/>
+                  <a:ea typeface="微软雅黑" panose="020B0503020204020204" charset="-122"/>
+                  <a:cs typeface="微软雅黑" panose="020B0503020204020204" charset="-122"/>
+                </a:rPr>
+                <a:t>出口信用保险</a:t>
               </a:r>
               <a:br>
                 <a:rPr lang="zh-CN" altLang="en-US" sz="1800" b="0">
                   <a:solidFill>
-                    <a:schemeClr val="tx2"/>
+                    <a:schemeClr val="tx1"/>
                   </a:solidFill>
                   <a:latin typeface="微软雅黑" panose="020B0503020204020204" charset="-122"/>
                   <a:ea typeface="微软雅黑" panose="020B0503020204020204" charset="-122"/>
@@ -9789,40 +9789,18 @@
               <a:r>
                 <a:rPr kumimoji="0" lang="zh-CN" altLang="en-US" sz="1800" b="0" i="0" u="none" strike="noStrike" kern="0" cap="all" spc="0" normalizeH="0" baseline="0" noProof="1">
                   <a:solidFill>
-                    <a:schemeClr val="tx2"/>
+                    <a:schemeClr val="tx1"/>
                   </a:solidFill>
                   <a:latin typeface="微软雅黑" panose="020B0503020204020204" charset="-122"/>
                   <a:ea typeface="微软雅黑" panose="020B0503020204020204" charset="-122"/>
                   <a:cs typeface="微软雅黑" panose="020B0503020204020204" charset="-122"/>
                 </a:rPr>
-                <a:t>出口信用保险，也叫出口信贷保险，属于</a:t>
-              </a:r>
-              <a:r>
-                <a:rPr kumimoji="0" lang="zh-CN" altLang="en-US" sz="1800" b="0" i="0" u="none" strike="noStrike" kern="0" cap="all" spc="0" normalizeH="0" baseline="0" noProof="1">
-                  <a:solidFill>
-                    <a:srgbClr val="FF0000"/>
-                  </a:solidFill>
-                  <a:latin typeface="微软雅黑" panose="020B0503020204020204" charset="-122"/>
-                  <a:ea typeface="微软雅黑" panose="020B0503020204020204" charset="-122"/>
-                  <a:cs typeface="微软雅黑" panose="020B0503020204020204" charset="-122"/>
-                </a:rPr>
-                <a:t>非营利性的保险业务</a:t>
-              </a:r>
-              <a:r>
-                <a:rPr kumimoji="0" lang="zh-CN" altLang="en-US" sz="1800" b="0" i="0" u="none" strike="noStrike" kern="0" cap="all" spc="0" normalizeH="0" baseline="0" noProof="1">
-                  <a:solidFill>
-                    <a:schemeClr val="tx2"/>
-                  </a:solidFill>
-                  <a:latin typeface="微软雅黑" panose="020B0503020204020204" charset="-122"/>
-                  <a:ea typeface="微软雅黑" panose="020B0503020204020204" charset="-122"/>
-                  <a:cs typeface="微软雅黑" panose="020B0503020204020204" charset="-122"/>
-                </a:rPr>
-                <a:t>，是政府对市场经济的一种间接调控手段和补充。</a:t>
+                <a:t>出口信用保险，也叫出口信贷保险，属于非营利性的保险业务，是政府对市场经济的一种间接调控手段和补充。</a:t>
               </a:r>
               <a:br>
                 <a:rPr lang="zh-CN" altLang="en-US" sz="1800" b="0">
                   <a:solidFill>
-                    <a:schemeClr val="tx2"/>
+                    <a:schemeClr val="tx1"/>
                   </a:solidFill>
                   <a:latin typeface="微软雅黑" panose="020B0503020204020204" charset="-122"/>
                   <a:ea typeface="微软雅黑" panose="020B0503020204020204" charset="-122"/>
@@ -9832,18 +9810,29 @@
               <a:r>
                 <a:rPr kumimoji="0" lang="zh-CN" altLang="en-US" sz="1800" b="0" i="0" u="none" strike="noStrike" kern="0" cap="all" spc="0" normalizeH="0" baseline="0" noProof="1">
                   <a:solidFill>
-                    <a:srgbClr val="FF0000"/>
+                    <a:schemeClr val="tx1"/>
                   </a:solidFill>
                   <a:latin typeface="微软雅黑" panose="020B0503020204020204" charset="-122"/>
                   <a:ea typeface="微软雅黑" panose="020B0503020204020204" charset="-122"/>
                   <a:cs typeface="微软雅黑" panose="020B0503020204020204" charset="-122"/>
                 </a:rPr>
-                <a:t>3. 投资保险</a:t>
+                <a:t>3. </a:t>
               </a:r>
               <a:r>
                 <a:rPr kumimoji="0" lang="zh-CN" altLang="en-US" sz="1800" b="0" i="0" u="none" strike="noStrike" kern="0" cap="all" spc="0" normalizeH="0" baseline="0" noProof="1">
                   <a:solidFill>
-                    <a:schemeClr val="tx2"/>
+                    <a:srgbClr val="00B0F0"/>
+                  </a:solidFill>
+                  <a:latin typeface="微软雅黑" panose="020B0503020204020204" charset="-122"/>
+                  <a:ea typeface="微软雅黑" panose="020B0503020204020204" charset="-122"/>
+                  <a:cs typeface="微软雅黑" panose="020B0503020204020204" charset="-122"/>
+                </a:rPr>
+                <a:t>投资保险</a:t>
+              </a:r>
+              <a:r>
+                <a:rPr kumimoji="0" lang="zh-CN" altLang="en-US" sz="1800" b="0" i="0" u="none" strike="noStrike" kern="0" cap="all" spc="0" normalizeH="0" baseline="0" noProof="1">
+                  <a:solidFill>
+                    <a:schemeClr val="tx1"/>
                   </a:solidFill>
                   <a:latin typeface="微软雅黑" panose="020B0503020204020204" charset="-122"/>
                   <a:ea typeface="微软雅黑" panose="020B0503020204020204" charset="-122"/>
@@ -9854,7 +9843,7 @@
               <a:br>
                 <a:rPr lang="zh-CN" altLang="en-US" sz="1800" b="0">
                   <a:solidFill>
-                    <a:schemeClr val="tx2"/>
+                    <a:schemeClr val="tx1"/>
                   </a:solidFill>
                   <a:latin typeface="微软雅黑" panose="020B0503020204020204" charset="-122"/>
                   <a:ea typeface="微软雅黑" panose="020B0503020204020204" charset="-122"/>
@@ -9864,39 +9853,17 @@
               <a:r>
                 <a:rPr kumimoji="0" lang="zh-CN" altLang="en-US" sz="1800" b="0" i="0" u="none" strike="noStrike" kern="0" cap="all" spc="0" normalizeH="0" baseline="0" noProof="1">
                   <a:solidFill>
-                    <a:schemeClr val="tx2"/>
+                    <a:schemeClr val="tx1"/>
                   </a:solidFill>
                   <a:latin typeface="微软雅黑" panose="020B0503020204020204" charset="-122"/>
                   <a:ea typeface="微软雅黑" panose="020B0503020204020204" charset="-122"/>
                   <a:cs typeface="微软雅黑" panose="020B0503020204020204" charset="-122"/>
                 </a:rPr>
-                <a:t>投资保险又称政治风险保险，主要承保投资者的投资和已赚取的收益因承保的政治风险而遭受的损失。开展投资保险的主要目的是</a:t>
-              </a:r>
-              <a:r>
-                <a:rPr kumimoji="0" lang="zh-CN" altLang="en-US" sz="1800" b="0" i="0" u="none" strike="noStrike" kern="0" cap="all" spc="0" normalizeH="0" baseline="0" noProof="1">
-                  <a:solidFill>
-                    <a:srgbClr val="FF0000"/>
-                  </a:solidFill>
-                  <a:latin typeface="微软雅黑" panose="020B0503020204020204" charset="-122"/>
-                  <a:ea typeface="微软雅黑" panose="020B0503020204020204" charset="-122"/>
-                  <a:cs typeface="微软雅黑" panose="020B0503020204020204" charset="-122"/>
-                </a:rPr>
-                <a:t>为了鼓励资本输出</a:t>
-              </a:r>
-              <a:r>
-                <a:rPr kumimoji="0" lang="zh-CN" altLang="en-US" sz="1800" b="0" i="0" u="none" strike="noStrike" kern="0" cap="all" spc="0" normalizeH="0" baseline="0" noProof="1">
-                  <a:solidFill>
-                    <a:schemeClr val="tx2"/>
-                  </a:solidFill>
-                  <a:latin typeface="微软雅黑" panose="020B0503020204020204" charset="-122"/>
-                  <a:ea typeface="微软雅黑" panose="020B0503020204020204" charset="-122"/>
-                  <a:cs typeface="微软雅黑" panose="020B0503020204020204" charset="-122"/>
-                </a:rPr>
-                <a:t>。</a:t>
+                <a:t>投资保险又称政治风险保险，主要承保投资者的投资和已赚取的收益因承保的政治风险而遭受的损失。开展投资保险的主要目的是为了鼓励资本输出。</a:t>
               </a:r>
               <a:endParaRPr kumimoji="0" lang="zh-CN" altLang="en-US" sz="1800" b="0" i="0" u="none" strike="noStrike" kern="0" cap="all" spc="0" normalizeH="0" baseline="0" noProof="1">
                 <a:solidFill>
-                  <a:schemeClr val="tx2"/>
+                  <a:schemeClr val="tx1"/>
                 </a:solidFill>
                 <a:latin typeface="微软雅黑" panose="020B0503020204020204" charset="-122"/>
                 <a:ea typeface="微软雅黑" panose="020B0503020204020204" charset="-122"/>
@@ -10098,7 +10065,7 @@
               <a:r>
                 <a:rPr lang="zh-CN" altLang="en-US">
                   <a:solidFill>
-                    <a:srgbClr val="FF0000"/>
+                    <a:srgbClr val="00B0F0"/>
                   </a:solidFill>
                   <a:latin typeface="微软雅黑" panose="020B0503020204020204" charset="-122"/>
                   <a:ea typeface="微软雅黑" panose="020B0503020204020204" charset="-122"/>
@@ -10117,7 +10084,7 @@
               <a:r>
                 <a:rPr lang="zh-CN" altLang="en-US">
                   <a:solidFill>
-                    <a:srgbClr val="FF0000"/>
+                    <a:srgbClr val="00B0F0"/>
                   </a:solidFill>
                   <a:latin typeface="微软雅黑" panose="020B0503020204020204" charset="-122"/>
                   <a:ea typeface="微软雅黑" panose="020B0503020204020204" charset="-122"/>
@@ -10791,7 +10758,7 @@
             <a:r>
               <a:rPr lang="zh-CN" altLang="en-US">
                 <a:solidFill>
-                  <a:schemeClr val="tx2"/>
+                  <a:schemeClr val="tx1"/>
                 </a:solidFill>
                 <a:latin typeface="微软雅黑" panose="020B0503020204020204" charset="-122"/>
                 <a:ea typeface="微软雅黑" panose="020B0503020204020204" charset="-122"/>
@@ -10802,7 +10769,7 @@
             <a:r>
               <a:rPr lang="zh-CN" altLang="en-US">
                 <a:solidFill>
-                  <a:srgbClr val="FF0000"/>
+                  <a:srgbClr val="00B0F0"/>
                 </a:solidFill>
                 <a:latin typeface="微软雅黑" panose="020B0503020204020204" charset="-122"/>
                 <a:ea typeface="微软雅黑" panose="020B0503020204020204" charset="-122"/>
@@ -10813,39 +10780,39 @@
             <a:r>
               <a:rPr lang="zh-CN" altLang="en-US">
                 <a:solidFill>
-                  <a:schemeClr val="tx2"/>
+                  <a:schemeClr val="tx1"/>
                 </a:solidFill>
                 <a:latin typeface="微软雅黑" panose="020B0503020204020204" charset="-122"/>
                 <a:ea typeface="微软雅黑" panose="020B0503020204020204" charset="-122"/>
                 <a:cs typeface="+mn-cs"/>
               </a:rPr>
-              <a:t>以</a:t>
+              <a:t>以保证的方式向</a:t>
             </a:r>
             <a:r>
               <a:rPr lang="zh-CN" altLang="en-US">
                 <a:solidFill>
-                  <a:srgbClr val="FF0000"/>
+                  <a:srgbClr val="00B0F0"/>
                 </a:solidFill>
                 <a:latin typeface="微软雅黑" panose="020B0503020204020204" charset="-122"/>
                 <a:ea typeface="微软雅黑" panose="020B0503020204020204" charset="-122"/>
                 <a:cs typeface="+mn-cs"/>
               </a:rPr>
-              <a:t>保证</a:t>
+              <a:t>担保对象</a:t>
             </a:r>
             <a:r>
               <a:rPr lang="zh-CN" altLang="en-US">
                 <a:solidFill>
-                  <a:schemeClr val="tx2"/>
+                  <a:schemeClr val="tx1"/>
                 </a:solidFill>
                 <a:latin typeface="微软雅黑" panose="020B0503020204020204" charset="-122"/>
                 <a:ea typeface="微软雅黑" panose="020B0503020204020204" charset="-122"/>
                 <a:cs typeface="+mn-cs"/>
               </a:rPr>
-              <a:t>的方式向担保对象提供的承诺，在担保对象不能依约履行债务时，由担保机构承担合同约定的担保责任。</a:t>
+              <a:t>提供的承诺，在担保对象不能依约履行债务时，由担保机构承担合同约定的担保责任。</a:t>
             </a:r>
             <a:endParaRPr lang="zh-CN" altLang="en-US">
               <a:solidFill>
-                <a:schemeClr val="tx2"/>
+                <a:schemeClr val="tx1"/>
               </a:solidFill>
               <a:latin typeface="微软雅黑" panose="020B0503020204020204" charset="-122"/>
               <a:ea typeface="微软雅黑" panose="020B0503020204020204" charset="-122"/>
@@ -10856,17 +10823,127 @@
             <a:r>
               <a:rPr lang="zh-CN" altLang="en-US">
                 <a:solidFill>
-                  <a:schemeClr val="tx2"/>
+                  <a:schemeClr val="tx1"/>
                 </a:solidFill>
                 <a:latin typeface="微软雅黑" panose="020B0503020204020204" charset="-122"/>
                 <a:ea typeface="微软雅黑" panose="020B0503020204020204" charset="-122"/>
                 <a:cs typeface="+mn-cs"/>
               </a:rPr>
-              <a:t>信用担保产品包括融资担保、交易担保、税收担保、司法担保、特别担保等类型。</a:t>
+              <a:t>信用担保产品包括</a:t>
+            </a:r>
+            <a:r>
+              <a:rPr lang="zh-CN" altLang="en-US">
+                <a:solidFill>
+                  <a:srgbClr val="00B0F0"/>
+                </a:solidFill>
+                <a:latin typeface="微软雅黑" panose="020B0503020204020204" charset="-122"/>
+                <a:ea typeface="微软雅黑" panose="020B0503020204020204" charset="-122"/>
+                <a:cs typeface="+mn-cs"/>
+              </a:rPr>
+              <a:t>融资担保</a:t>
+            </a:r>
+            <a:r>
+              <a:rPr lang="zh-CN" altLang="en-US">
+                <a:solidFill>
+                  <a:schemeClr val="tx1"/>
+                </a:solidFill>
+                <a:latin typeface="微软雅黑" panose="020B0503020204020204" charset="-122"/>
+                <a:ea typeface="微软雅黑" panose="020B0503020204020204" charset="-122"/>
+                <a:cs typeface="+mn-cs"/>
+              </a:rPr>
+              <a:t>、</a:t>
+            </a:r>
+            <a:r>
+              <a:rPr lang="zh-CN" altLang="en-US">
+                <a:solidFill>
+                  <a:srgbClr val="00B0F0"/>
+                </a:solidFill>
+                <a:latin typeface="微软雅黑" panose="020B0503020204020204" charset="-122"/>
+                <a:ea typeface="微软雅黑" panose="020B0503020204020204" charset="-122"/>
+                <a:cs typeface="+mn-cs"/>
+              </a:rPr>
+              <a:t>交易担保</a:t>
+            </a:r>
+            <a:r>
+              <a:rPr lang="zh-CN" altLang="en-US">
+                <a:solidFill>
+                  <a:schemeClr val="tx1"/>
+                </a:solidFill>
+                <a:latin typeface="微软雅黑" panose="020B0503020204020204" charset="-122"/>
+                <a:ea typeface="微软雅黑" panose="020B0503020204020204" charset="-122"/>
+                <a:cs typeface="+mn-cs"/>
+              </a:rPr>
+              <a:t>、</a:t>
+            </a:r>
+            <a:r>
+              <a:rPr lang="zh-CN" altLang="en-US">
+                <a:solidFill>
+                  <a:srgbClr val="00B0F0"/>
+                </a:solidFill>
+                <a:latin typeface="微软雅黑" panose="020B0503020204020204" charset="-122"/>
+                <a:ea typeface="微软雅黑" panose="020B0503020204020204" charset="-122"/>
+                <a:cs typeface="+mn-cs"/>
+              </a:rPr>
+              <a:t>税收担保</a:t>
+            </a:r>
+            <a:r>
+              <a:rPr lang="zh-CN" altLang="en-US">
+                <a:solidFill>
+                  <a:schemeClr val="tx1"/>
+                </a:solidFill>
+                <a:latin typeface="微软雅黑" panose="020B0503020204020204" charset="-122"/>
+                <a:ea typeface="微软雅黑" panose="020B0503020204020204" charset="-122"/>
+                <a:cs typeface="+mn-cs"/>
+              </a:rPr>
+              <a:t>、</a:t>
+            </a:r>
+            <a:r>
+              <a:rPr lang="zh-CN" altLang="en-US">
+                <a:solidFill>
+                  <a:srgbClr val="00B0F0"/>
+                </a:solidFill>
+                <a:latin typeface="微软雅黑" panose="020B0503020204020204" charset="-122"/>
+                <a:ea typeface="微软雅黑" panose="020B0503020204020204" charset="-122"/>
+                <a:cs typeface="+mn-cs"/>
+              </a:rPr>
+              <a:t>司法担保</a:t>
+            </a:r>
+            <a:r>
+              <a:rPr lang="zh-CN" altLang="en-US">
+                <a:solidFill>
+                  <a:schemeClr val="tx1"/>
+                </a:solidFill>
+                <a:latin typeface="微软雅黑" panose="020B0503020204020204" charset="-122"/>
+                <a:ea typeface="微软雅黑" panose="020B0503020204020204" charset="-122"/>
+                <a:cs typeface="+mn-cs"/>
+              </a:rPr>
+              <a:t>、</a:t>
+            </a:r>
+            <a:r>
+              <a:rPr lang="zh-CN" altLang="en-US">
+                <a:solidFill>
+                  <a:srgbClr val="00B0F0"/>
+                </a:solidFill>
+                <a:latin typeface="微软雅黑" panose="020B0503020204020204" charset="-122"/>
+                <a:ea typeface="微软雅黑" panose="020B0503020204020204" charset="-122"/>
+                <a:cs typeface="+mn-cs"/>
+              </a:rPr>
+              <a:t>特别担保</a:t>
+            </a:r>
+            <a:r>
+              <a:rPr lang="zh-CN" altLang="en-US">
+                <a:solidFill>
+                  <a:schemeClr val="tx1"/>
+                </a:solidFill>
+                <a:latin typeface="微软雅黑" panose="020B0503020204020204" charset="-122"/>
+                <a:ea typeface="微软雅黑" panose="020B0503020204020204" charset="-122"/>
+                <a:cs typeface="+mn-cs"/>
+              </a:rPr>
+              <a:t>等类型。</a:t>
             </a:r>
             <a:endParaRPr lang="zh-CN" altLang="en-US">
               <a:solidFill>
-                <a:schemeClr val="tx2"/>
+                <a:schemeClr val="tx1"/>
               </a:solidFill>
               <a:latin typeface="微软雅黑" panose="020B0503020204020204" charset="-122"/>
               <a:ea typeface="微软雅黑" panose="020B0503020204020204" charset="-122"/>
@@ -10877,51 +10954,29 @@
             <a:r>
               <a:rPr lang="zh-CN" altLang="en-US">
                 <a:solidFill>
-                  <a:schemeClr val="tx2"/>
+                  <a:schemeClr val="tx1"/>
                 </a:solidFill>
                 <a:latin typeface="微软雅黑" panose="020B0503020204020204" charset="-122"/>
                 <a:ea typeface="微软雅黑" panose="020B0503020204020204" charset="-122"/>
                 <a:cs typeface="+mn-cs"/>
               </a:rPr>
-              <a:t>信用担保适用于</a:t>
+              <a:t>信用担保适用于市场前景较好、经营较稳定、具有履约意愿、缺乏信用记录和抵押物的企业，特别是中小企业，能</a:t>
             </a:r>
             <a:r>
               <a:rPr lang="zh-CN" altLang="en-US">
                 <a:solidFill>
-                  <a:srgbClr val="FF0000"/>
+                  <a:srgbClr val="00B0F0"/>
                 </a:solidFill>
                 <a:latin typeface="微软雅黑" panose="020B0503020204020204" charset="-122"/>
                 <a:ea typeface="微软雅黑" panose="020B0503020204020204" charset="-122"/>
                 <a:cs typeface="+mn-cs"/>
               </a:rPr>
-              <a:t>市场前景较好、经营较稳定、具有履约意愿、缺乏信用记录和抵押物的企</a:t>
+              <a:t>帮助这些企业获得银行融资支持</a:t>
             </a:r>
             <a:r>
               <a:rPr lang="zh-CN" altLang="en-US">
                 <a:solidFill>
-                  <a:schemeClr val="tx2"/>
-                </a:solidFill>
-                <a:latin typeface="微软雅黑" panose="020B0503020204020204" charset="-122"/>
-                <a:ea typeface="微软雅黑" panose="020B0503020204020204" charset="-122"/>
-                <a:cs typeface="+mn-cs"/>
-              </a:rPr>
-              <a:t>业，特别是中小企业，能帮助这些企业</a:t>
-            </a:r>
-            <a:r>
-              <a:rPr lang="zh-CN" altLang="en-US">
-                <a:solidFill>
-                  <a:srgbClr val="FF0000"/>
-                </a:solidFill>
-                <a:latin typeface="微软雅黑" panose="020B0503020204020204" charset="-122"/>
-                <a:ea typeface="微软雅黑" panose="020B0503020204020204" charset="-122"/>
-                <a:cs typeface="+mn-cs"/>
-              </a:rPr>
-              <a:t>获得银行融资支持</a:t>
-            </a:r>
-            <a:r>
-              <a:rPr lang="zh-CN" altLang="en-US">
-                <a:solidFill>
-                  <a:schemeClr val="tx2"/>
+                  <a:schemeClr val="tx1"/>
                 </a:solidFill>
                 <a:latin typeface="微软雅黑" panose="020B0503020204020204" charset="-122"/>
                 <a:ea typeface="微软雅黑" panose="020B0503020204020204" charset="-122"/>
@@ -10931,7 +10986,7 @@
             </a:r>
             <a:endParaRPr lang="zh-CN" altLang="en-US">
               <a:solidFill>
-                <a:schemeClr val="tx2"/>
+                <a:schemeClr val="tx1"/>
               </a:solidFill>
               <a:latin typeface="微软雅黑" panose="020B0503020204020204" charset="-122"/>
               <a:ea typeface="微软雅黑" panose="020B0503020204020204" charset="-122"/>
@@ -10942,17 +10997,39 @@
             <a:r>
               <a:rPr lang="zh-CN" altLang="en-US">
                 <a:solidFill>
-                  <a:schemeClr val="tx2"/>
+                  <a:schemeClr val="tx1"/>
                 </a:solidFill>
                 <a:latin typeface="微软雅黑" panose="020B0503020204020204" charset="-122"/>
                 <a:ea typeface="微软雅黑" panose="020B0503020204020204" charset="-122"/>
                 <a:cs typeface="+mn-cs"/>
               </a:rPr>
-              <a:t>信用担保机构在承接信用担保业务时，要加强对担保项目的审查、评估与后期监督，同时采取反担保、再担保措施，降低担保风险。</a:t>
+              <a:t>信用担保机构在承接信用担保业务时，要加强对担保项目的审查、评估与后期监督，同时采取</a:t>
+            </a:r>
+            <a:r>
+              <a:rPr lang="zh-CN" altLang="en-US">
+                <a:solidFill>
+                  <a:srgbClr val="00B0F0"/>
+                </a:solidFill>
+                <a:latin typeface="微软雅黑" panose="020B0503020204020204" charset="-122"/>
+                <a:ea typeface="微软雅黑" panose="020B0503020204020204" charset="-122"/>
+                <a:cs typeface="+mn-cs"/>
+              </a:rPr>
+              <a:t>反担保、再担保</a:t>
+            </a:r>
+            <a:r>
+              <a:rPr lang="zh-CN" altLang="en-US">
+                <a:solidFill>
+                  <a:schemeClr val="tx1"/>
+                </a:solidFill>
+                <a:latin typeface="微软雅黑" panose="020B0503020204020204" charset="-122"/>
+                <a:ea typeface="微软雅黑" panose="020B0503020204020204" charset="-122"/>
+                <a:cs typeface="+mn-cs"/>
+              </a:rPr>
+              <a:t>措施，降低担保风险。</a:t>
             </a:r>
             <a:endParaRPr lang="zh-CN" altLang="en-US">
               <a:solidFill>
-                <a:schemeClr val="tx2"/>
+                <a:schemeClr val="tx1"/>
               </a:solidFill>
               <a:latin typeface="微软雅黑" panose="020B0503020204020204" charset="-122"/>
               <a:ea typeface="微软雅黑" panose="020B0503020204020204" charset="-122"/>
@@ -11561,6 +11638,9 @@
                   </a:buClr>
                 </a:pPr>
                 <a:endParaRPr lang="zh-CN" altLang="en-US" dirty="0">
+                  <a:solidFill>
+                    <a:schemeClr val="tx1"/>
+                  </a:solidFill>
                   <a:latin typeface="微软雅黑" panose="020B0503020204020204" charset="-122"/>
                   <a:ea typeface="微软雅黑" panose="020B0503020204020204" charset="-122"/>
                 </a:endParaRPr>
@@ -11695,6 +11775,9 @@
                   </a:buClr>
                 </a:pPr>
                 <a:endParaRPr lang="zh-CN" altLang="en-US" dirty="0">
+                  <a:solidFill>
+                    <a:schemeClr val="tx1"/>
+                  </a:solidFill>
                   <a:latin typeface="微软雅黑" panose="020B0503020204020204" charset="-122"/>
                   <a:ea typeface="微软雅黑" panose="020B0503020204020204" charset="-122"/>
                 </a:endParaRPr>
@@ -11740,7 +11823,7 @@
               <a:r>
                 <a:rPr lang="zh-CN" altLang="zh-CN" sz="2000" dirty="0">
                   <a:solidFill>
-                    <a:srgbClr val="FFFF00"/>
+                    <a:schemeClr val="tx1"/>
                   </a:solidFill>
                   <a:latin typeface="微软雅黑" panose="020B0503020204020204" charset="-122"/>
                   <a:ea typeface="微软雅黑" panose="020B0503020204020204" charset="-122"/>
@@ -11751,7 +11834,7 @@
               <a:r>
                 <a:rPr lang="en-US" altLang="zh-CN" sz="2000" err="1">
                   <a:solidFill>
-                    <a:srgbClr val="FFFF00"/>
+                    <a:schemeClr val="tx1"/>
                   </a:solidFill>
                   <a:latin typeface="微软雅黑" panose="020B0503020204020204" charset="-122"/>
                   <a:ea typeface="微软雅黑" panose="020B0503020204020204" charset="-122"/>
@@ -11762,40 +11845,18 @@
               <a:r>
                 <a:rPr lang="zh-CN" altLang="zh-CN" sz="2000" dirty="0">
                   <a:solidFill>
-                    <a:srgbClr val="FFFF00"/>
+                    <a:schemeClr val="tx1"/>
                   </a:solidFill>
                   <a:latin typeface="微软雅黑" panose="020B0503020204020204" charset="-122"/>
                   <a:ea typeface="微软雅黑" panose="020B0503020204020204" charset="-122"/>
                   <a:cs typeface="微软雅黑" panose="020B0503020204020204" charset="-122"/>
                 </a:rPr>
-                <a:t>）业务是改善出口商现金流和财务报表的</a:t>
+                <a:t>）业务是改善出口商现金流和财务报表的无追索权融资方式。</a:t>
               </a:r>
               <a:r>
                 <a:rPr lang="zh-CN" altLang="zh-CN" sz="2000" dirty="0">
                   <a:solidFill>
-                    <a:srgbClr val="FF0000"/>
-                  </a:solidFill>
-                  <a:latin typeface="微软雅黑" panose="020B0503020204020204" charset="-122"/>
-                  <a:ea typeface="微软雅黑" panose="020B0503020204020204" charset="-122"/>
-                  <a:cs typeface="微软雅黑" panose="020B0503020204020204" charset="-122"/>
-                </a:rPr>
-                <a:t>无追索权融资方式</a:t>
-              </a:r>
-              <a:r>
-                <a:rPr lang="zh-CN" altLang="zh-CN" sz="2000" dirty="0">
-                  <a:solidFill>
-                    <a:srgbClr val="FFFF00"/>
-                  </a:solidFill>
-                  <a:latin typeface="微软雅黑" panose="020B0503020204020204" charset="-122"/>
-                  <a:ea typeface="微软雅黑" panose="020B0503020204020204" charset="-122"/>
-                  <a:cs typeface="微软雅黑" panose="020B0503020204020204" charset="-122"/>
-                </a:rPr>
-                <a:t>。</a:t>
-              </a:r>
-              <a:r>
-                <a:rPr lang="zh-CN" altLang="zh-CN" sz="2000" dirty="0">
-                  <a:solidFill>
-                    <a:srgbClr val="FF0000"/>
+                    <a:srgbClr val="00B0F0"/>
                   </a:solidFill>
                   <a:latin typeface="微软雅黑" panose="020B0503020204020204" charset="-122"/>
                   <a:ea typeface="微软雅黑" panose="020B0503020204020204" charset="-122"/>
@@ -11806,73 +11867,40 @@
               <a:r>
                 <a:rPr lang="zh-CN" altLang="zh-CN" sz="2000" dirty="0">
                   <a:solidFill>
-                    <a:srgbClr val="FFFF00"/>
+                    <a:schemeClr val="tx1"/>
                   </a:solidFill>
                   <a:latin typeface="微软雅黑" panose="020B0503020204020204" charset="-122"/>
                   <a:ea typeface="微软雅黑" panose="020B0503020204020204" charset="-122"/>
                   <a:cs typeface="微软雅黑" panose="020B0503020204020204" charset="-122"/>
                 </a:rPr>
-                <a:t>从</a:t>
+                <a:t>从出口商那里</a:t>
               </a:r>
               <a:r>
                 <a:rPr lang="zh-CN" altLang="zh-CN" sz="2000" dirty="0">
                   <a:solidFill>
-                    <a:srgbClr val="FF0000"/>
+                    <a:srgbClr val="00B0F0"/>
                   </a:solidFill>
                   <a:latin typeface="微软雅黑" panose="020B0503020204020204" charset="-122"/>
                   <a:ea typeface="微软雅黑" panose="020B0503020204020204" charset="-122"/>
                   <a:cs typeface="微软雅黑" panose="020B0503020204020204" charset="-122"/>
                 </a:rPr>
-                <a:t>出口商</a:t>
+                <a:t>无追索地</a:t>
               </a:r>
               <a:r>
                 <a:rPr lang="zh-CN" altLang="zh-CN" sz="2000" dirty="0">
                   <a:solidFill>
-                    <a:srgbClr val="FFFF00"/>
+                    <a:schemeClr val="tx1"/>
                   </a:solidFill>
                   <a:latin typeface="微软雅黑" panose="020B0503020204020204" charset="-122"/>
                   <a:ea typeface="微软雅黑" panose="020B0503020204020204" charset="-122"/>
                   <a:cs typeface="微软雅黑" panose="020B0503020204020204" charset="-122"/>
                 </a:rPr>
-                <a:t>那里无追索地购买</a:t>
-              </a:r>
-              <a:r>
-                <a:rPr lang="zh-CN" altLang="zh-CN" sz="2000" dirty="0">
-                  <a:solidFill>
-                    <a:srgbClr val="FF0000"/>
-                  </a:solidFill>
-                  <a:latin typeface="微软雅黑" panose="020B0503020204020204" charset="-122"/>
-                  <a:ea typeface="微软雅黑" panose="020B0503020204020204" charset="-122"/>
-                  <a:cs typeface="微软雅黑" panose="020B0503020204020204" charset="-122"/>
-                </a:rPr>
-                <a:t>已经承兑的</a:t>
-              </a:r>
-              <a:r>
-                <a:rPr lang="zh-CN" altLang="zh-CN" sz="2000" dirty="0">
-                  <a:solidFill>
-                    <a:srgbClr val="FFFF00"/>
-                  </a:solidFill>
-                  <a:latin typeface="微软雅黑" panose="020B0503020204020204" charset="-122"/>
-                  <a:ea typeface="微软雅黑" panose="020B0503020204020204" charset="-122"/>
-                  <a:cs typeface="微软雅黑" panose="020B0503020204020204" charset="-122"/>
-                </a:rPr>
-                <a:t>、并通常由</a:t>
-              </a:r>
-              <a:r>
-                <a:rPr lang="zh-CN" altLang="zh-CN" sz="2000" dirty="0">
-                  <a:solidFill>
-                    <a:srgbClr val="FF0000"/>
-                  </a:solidFill>
-                  <a:latin typeface="微软雅黑" panose="020B0503020204020204" charset="-122"/>
-                  <a:ea typeface="微软雅黑" panose="020B0503020204020204" charset="-122"/>
-                  <a:cs typeface="微软雅黑" panose="020B0503020204020204" charset="-122"/>
-                </a:rPr>
-                <a:t>进口商所在地</a:t>
+                <a:t>购买已经承兑的、并通常由进口商所在地</a:t>
               </a:r>
               <a:r>
                 <a:rPr lang="zh-CN" altLang="en-US" sz="2000" dirty="0">
                   <a:solidFill>
-                    <a:srgbClr val="FF0000"/>
+                    <a:schemeClr val="tx1"/>
                   </a:solidFill>
                   <a:latin typeface="微软雅黑" panose="020B0503020204020204" charset="-122"/>
                   <a:ea typeface="微软雅黑" panose="020B0503020204020204" charset="-122"/>
@@ -11883,40 +11911,51 @@
               <a:r>
                 <a:rPr lang="zh-CN" altLang="zh-CN" sz="2000" dirty="0">
                   <a:solidFill>
-                    <a:srgbClr val="FF0000"/>
+                    <a:schemeClr val="tx1"/>
                   </a:solidFill>
                   <a:latin typeface="微软雅黑" panose="020B0503020204020204" charset="-122"/>
                   <a:ea typeface="微软雅黑" panose="020B0503020204020204" charset="-122"/>
                   <a:cs typeface="微软雅黑" panose="020B0503020204020204" charset="-122"/>
                 </a:rPr>
-                <a:t>担保</a:t>
+                <a:t>担保的</a:t>
               </a:r>
               <a:r>
                 <a:rPr lang="zh-CN" altLang="zh-CN" sz="2000" dirty="0">
                   <a:solidFill>
-                    <a:srgbClr val="FFFF00"/>
+                    <a:srgbClr val="00B0F0"/>
                   </a:solidFill>
                   <a:latin typeface="微软雅黑" panose="020B0503020204020204" charset="-122"/>
                   <a:ea typeface="微软雅黑" panose="020B0503020204020204" charset="-122"/>
                   <a:cs typeface="微软雅黑" panose="020B0503020204020204" charset="-122"/>
                 </a:rPr>
-                <a:t>的</a:t>
+                <a:t>远期汇票</a:t>
               </a:r>
               <a:r>
                 <a:rPr lang="zh-CN" altLang="zh-CN" sz="2000" dirty="0">
                   <a:solidFill>
-                    <a:srgbClr val="FF0000"/>
+                    <a:schemeClr val="tx1"/>
                   </a:solidFill>
                   <a:latin typeface="微软雅黑" panose="020B0503020204020204" charset="-122"/>
                   <a:ea typeface="微软雅黑" panose="020B0503020204020204" charset="-122"/>
                   <a:cs typeface="微软雅黑" panose="020B0503020204020204" charset="-122"/>
                 </a:rPr>
-                <a:t>远期汇票或本票</a:t>
+                <a:t>或</a:t>
               </a:r>
               <a:r>
                 <a:rPr lang="zh-CN" altLang="zh-CN" sz="2000" dirty="0">
                   <a:solidFill>
-                    <a:srgbClr val="FFFF00"/>
+                    <a:srgbClr val="00B0F0"/>
+                  </a:solidFill>
+                  <a:latin typeface="微软雅黑" panose="020B0503020204020204" charset="-122"/>
+                  <a:ea typeface="微软雅黑" panose="020B0503020204020204" charset="-122"/>
+                  <a:cs typeface="微软雅黑" panose="020B0503020204020204" charset="-122"/>
+                </a:rPr>
+                <a:t>本票</a:t>
+              </a:r>
+              <a:r>
+                <a:rPr lang="zh-CN" altLang="zh-CN" sz="2000" dirty="0">
+                  <a:solidFill>
+                    <a:schemeClr val="tx1"/>
                   </a:solidFill>
                   <a:latin typeface="微软雅黑" panose="020B0503020204020204" charset="-122"/>
                   <a:ea typeface="微软雅黑" panose="020B0503020204020204" charset="-122"/>
@@ -11927,28 +11966,28 @@
               <a:r>
                 <a:rPr lang="zh-CN" altLang="zh-CN" sz="2000" dirty="0">
                   <a:solidFill>
-                    <a:srgbClr val="FF0000"/>
+                    <a:srgbClr val="00B0F0"/>
                   </a:solidFill>
                   <a:latin typeface="微软雅黑" panose="020B0503020204020204" charset="-122"/>
                   <a:ea typeface="微软雅黑" panose="020B0503020204020204" charset="-122"/>
                   <a:cs typeface="微软雅黑" panose="020B0503020204020204" charset="-122"/>
                 </a:rPr>
-                <a:t>包买票据，音译为福费廷</a:t>
+                <a:t>包买票据</a:t>
               </a:r>
               <a:r>
                 <a:rPr lang="zh-CN" altLang="zh-CN" sz="2000" dirty="0">
                   <a:solidFill>
-                    <a:srgbClr val="000000"/>
+                    <a:schemeClr val="tx1"/>
                   </a:solidFill>
                   <a:latin typeface="微软雅黑" panose="020B0503020204020204" charset="-122"/>
                   <a:ea typeface="微软雅黑" panose="020B0503020204020204" charset="-122"/>
                   <a:cs typeface="微软雅黑" panose="020B0503020204020204" charset="-122"/>
                 </a:rPr>
-                <a:t>。</a:t>
+                <a:t>，音译为福费廷。</a:t>
               </a:r>
-              <a:endParaRPr lang="en-US" altLang="zh-CN" sz="2000">
-                <a:solidFill>
-                  <a:srgbClr val="000000"/>
+              <a:endParaRPr lang="zh-CN" altLang="zh-CN" sz="2000" dirty="0">
+                <a:solidFill>
+                  <a:schemeClr val="tx1"/>
                 </a:solidFill>
                 <a:latin typeface="微软雅黑" panose="020B0503020204020204" charset="-122"/>
                 <a:ea typeface="微软雅黑" panose="020B0503020204020204" charset="-122"/>
@@ -11995,51 +12034,29 @@
               <a:r>
                 <a:rPr lang="zh-CN" altLang="zh-CN" sz="2000" dirty="0">
                   <a:solidFill>
-                    <a:srgbClr val="FFFF00"/>
+                    <a:schemeClr val="tx1"/>
                   </a:solidFill>
                   <a:latin typeface="微软雅黑" panose="020B0503020204020204" charset="-122"/>
                   <a:ea typeface="微软雅黑" panose="020B0503020204020204" charset="-122"/>
                   <a:cs typeface="微软雅黑" panose="020B0503020204020204" charset="-122"/>
                 </a:rPr>
-                <a:t>特点是远期票据应</a:t>
+                <a:t>特点是</a:t>
               </a:r>
               <a:r>
                 <a:rPr lang="zh-CN" altLang="zh-CN" sz="2000" dirty="0">
                   <a:solidFill>
-                    <a:srgbClr val="FF0000"/>
+                    <a:srgbClr val="00B0F0"/>
                   </a:solidFill>
                   <a:latin typeface="微软雅黑" panose="020B0503020204020204" charset="-122"/>
                   <a:ea typeface="微软雅黑" panose="020B0503020204020204" charset="-122"/>
                   <a:cs typeface="微软雅黑" panose="020B0503020204020204" charset="-122"/>
                 </a:rPr>
-                <a:t>产生于</a:t>
-              </a:r>
-              <a:r>
-                <a:rPr lang="zh-CN" altLang="zh-CN" sz="2000" dirty="0">
-                  <a:solidFill>
-                    <a:srgbClr val="FFFF00"/>
-                  </a:solidFill>
-                  <a:latin typeface="微软雅黑" panose="020B0503020204020204" charset="-122"/>
-                  <a:ea typeface="微软雅黑" panose="020B0503020204020204" charset="-122"/>
-                  <a:cs typeface="微软雅黑" panose="020B0503020204020204" charset="-122"/>
-                </a:rPr>
-                <a:t>销售货物或提供技术服务的</a:t>
-              </a:r>
-              <a:r>
-                <a:rPr lang="zh-CN" altLang="zh-CN" sz="2000" dirty="0">
-                  <a:solidFill>
-                    <a:srgbClr val="FF0000"/>
-                  </a:solidFill>
-                  <a:latin typeface="微软雅黑" panose="020B0503020204020204" charset="-122"/>
-                  <a:ea typeface="微软雅黑" panose="020B0503020204020204" charset="-122"/>
-                  <a:cs typeface="微软雅黑" panose="020B0503020204020204" charset="-122"/>
-                </a:rPr>
-                <a:t>正当</a:t>
+                <a:t>远期票据应产生于销售货物或提供技术服务的正当</a:t>
               </a:r>
               <a:r>
                 <a:rPr lang="zh-CN" altLang="en-US" sz="2000" dirty="0">
                   <a:solidFill>
-                    <a:srgbClr val="FF0000"/>
+                    <a:srgbClr val="00B0F0"/>
                   </a:solidFill>
                   <a:latin typeface="微软雅黑" panose="020B0503020204020204" charset="-122"/>
                   <a:ea typeface="微软雅黑" panose="020B0503020204020204" charset="-122"/>
@@ -12050,7 +12067,7 @@
               <a:r>
                 <a:rPr lang="zh-CN" altLang="zh-CN" sz="2000" dirty="0">
                   <a:solidFill>
-                    <a:srgbClr val="FFFF00"/>
+                    <a:schemeClr val="tx1"/>
                   </a:solidFill>
                   <a:latin typeface="微软雅黑" panose="020B0503020204020204" charset="-122"/>
                   <a:ea typeface="微软雅黑" panose="020B0503020204020204" charset="-122"/>
@@ -12061,7 +12078,7 @@
               <a:r>
                 <a:rPr lang="zh-CN" altLang="en-US" sz="2000" dirty="0">
                   <a:solidFill>
-                    <a:srgbClr val="FFFF00"/>
+                    <a:schemeClr val="tx1"/>
                   </a:solidFill>
                   <a:latin typeface="微软雅黑" panose="020B0503020204020204" charset="-122"/>
                   <a:ea typeface="微软雅黑" panose="020B0503020204020204" charset="-122"/>
@@ -12072,40 +12089,18 @@
               <a:r>
                 <a:rPr lang="zh-CN" altLang="zh-CN" sz="2000" dirty="0">
                   <a:solidFill>
-                    <a:srgbClr val="FFFF00"/>
+                    <a:schemeClr val="tx1"/>
                   </a:solidFill>
                   <a:latin typeface="微软雅黑" panose="020B0503020204020204" charset="-122"/>
                   <a:ea typeface="微软雅黑" panose="020B0503020204020204" charset="-122"/>
                   <a:cs typeface="微软雅黑" panose="020B0503020204020204" charset="-122"/>
                 </a:rPr>
-                <a:t>做包买票据业务后，</a:t>
+                <a:t>做包买票据业务后，出口商放弃对所出售债权凭证的一切权益，将收取债款的权利、风险和责任转嫁给包买商，</a:t>
               </a:r>
               <a:r>
                 <a:rPr lang="zh-CN" altLang="zh-CN" sz="2000" dirty="0">
                   <a:solidFill>
-                    <a:srgbClr val="FF0000"/>
-                  </a:solidFill>
-                  <a:latin typeface="微软雅黑" panose="020B0503020204020204" charset="-122"/>
-                  <a:ea typeface="微软雅黑" panose="020B0503020204020204" charset="-122"/>
-                  <a:cs typeface="微软雅黑" panose="020B0503020204020204" charset="-122"/>
-                </a:rPr>
-                <a:t>出口商放弃对所出售债权凭证的一切权益</a:t>
-              </a:r>
-              <a:r>
-                <a:rPr lang="zh-CN" altLang="zh-CN" sz="2000" dirty="0">
-                  <a:solidFill>
-                    <a:srgbClr val="FFFF00"/>
-                  </a:solidFill>
-                  <a:latin typeface="微软雅黑" panose="020B0503020204020204" charset="-122"/>
-                  <a:ea typeface="微软雅黑" panose="020B0503020204020204" charset="-122"/>
-                  <a:cs typeface="微软雅黑" panose="020B0503020204020204" charset="-122"/>
-                </a:rPr>
-                <a:t>，将收取债款的权利、风险和责任转嫁给包买商，</a:t>
-              </a:r>
-              <a:r>
-                <a:rPr lang="zh-CN" altLang="zh-CN" sz="2000" dirty="0">
-                  <a:solidFill>
-                    <a:srgbClr val="FF0000"/>
+                    <a:srgbClr val="00B0F0"/>
                   </a:solidFill>
                   <a:latin typeface="微软雅黑" panose="020B0503020204020204" charset="-122"/>
                   <a:ea typeface="微软雅黑" panose="020B0503020204020204" charset="-122"/>
@@ -12116,7 +12111,7 @@
               <a:r>
                 <a:rPr lang="zh-CN" altLang="zh-CN" sz="2000" dirty="0">
                   <a:solidFill>
-                    <a:srgbClr val="FFFF00"/>
+                    <a:schemeClr val="tx1"/>
                   </a:solidFill>
                   <a:latin typeface="微软雅黑" panose="020B0503020204020204" charset="-122"/>
                   <a:ea typeface="微软雅黑" panose="020B0503020204020204" charset="-122"/>
@@ -12127,7 +12122,7 @@
               <a:r>
                 <a:rPr lang="zh-CN" altLang="en-US" sz="2000" dirty="0">
                   <a:solidFill>
-                    <a:srgbClr val="FFFF00"/>
+                    <a:schemeClr val="tx1"/>
                   </a:solidFill>
                   <a:latin typeface="微软雅黑" panose="020B0503020204020204" charset="-122"/>
                   <a:ea typeface="微软雅黑" panose="020B0503020204020204" charset="-122"/>
@@ -12138,7 +12133,7 @@
               <a:r>
                 <a:rPr lang="zh-CN" altLang="zh-CN" sz="2000" dirty="0">
                   <a:solidFill>
-                    <a:srgbClr val="FFFF00"/>
+                    <a:schemeClr val="tx1"/>
                   </a:solidFill>
                   <a:latin typeface="微软雅黑" panose="020B0503020204020204" charset="-122"/>
                   <a:ea typeface="微软雅黑" panose="020B0503020204020204" charset="-122"/>
@@ -12149,7 +12144,7 @@
               <a:r>
                 <a:rPr lang="en-US" altLang="zh-CN" sz="2000">
                   <a:solidFill>
-                    <a:srgbClr val="FFFF00"/>
+                    <a:schemeClr val="tx1"/>
                   </a:solidFill>
                   <a:latin typeface="微软雅黑" panose="020B0503020204020204" charset="-122"/>
                   <a:ea typeface="微软雅黑" panose="020B0503020204020204" charset="-122"/>
@@ -12160,7 +12155,7 @@
               <a:r>
                 <a:rPr lang="zh-CN" altLang="zh-CN" sz="2000" dirty="0">
                   <a:solidFill>
-                    <a:srgbClr val="FFFF00"/>
+                    <a:schemeClr val="tx1"/>
                   </a:solidFill>
                   <a:latin typeface="微软雅黑" panose="020B0503020204020204" charset="-122"/>
                   <a:ea typeface="微软雅黑" panose="020B0503020204020204" charset="-122"/>
@@ -12170,7 +12165,7 @@
               </a:r>
               <a:endParaRPr lang="zh-CN" altLang="zh-CN" sz="2000" dirty="0">
                 <a:solidFill>
-                  <a:srgbClr val="FFFF00"/>
+                  <a:schemeClr val="tx1"/>
                 </a:solidFill>
                 <a:latin typeface="微软雅黑" panose="020B0503020204020204" charset="-122"/>
                 <a:ea typeface="微软雅黑" panose="020B0503020204020204" charset="-122"/>
@@ -12217,7 +12212,7 @@
               <a:r>
                 <a:rPr lang="zh-CN" altLang="zh-CN" sz="2400" b="1" dirty="0">
                   <a:solidFill>
-                    <a:srgbClr val="FFFF00"/>
+                    <a:schemeClr val="tx1"/>
                   </a:solidFill>
                   <a:latin typeface="微软雅黑" panose="020B0503020204020204" charset="-122"/>
                   <a:ea typeface="微软雅黑" panose="020B0503020204020204" charset="-122"/>
@@ -12227,7 +12222,7 @@
               <a:r>
                 <a:rPr lang="zh-CN" altLang="en-US" sz="2400" b="1" dirty="0">
                   <a:solidFill>
-                    <a:srgbClr val="FFFF00"/>
+                    <a:schemeClr val="tx1"/>
                   </a:solidFill>
                   <a:latin typeface="微软雅黑" panose="020B0503020204020204" charset="-122"/>
                   <a:ea typeface="微软雅黑" panose="020B0503020204020204" charset="-122"/>
@@ -12236,7 +12231,7 @@
               </a:r>
               <a:endParaRPr lang="zh-CN" altLang="en-US" sz="2400" b="1" dirty="0">
                 <a:solidFill>
-                  <a:srgbClr val="FFFF00"/>
+                  <a:schemeClr val="tx1"/>
                 </a:solidFill>
                 <a:latin typeface="微软雅黑" panose="020B0503020204020204" charset="-122"/>
                 <a:ea typeface="微软雅黑" panose="020B0503020204020204" charset="-122"/>
@@ -12282,7 +12277,7 @@
               <a:r>
                 <a:rPr lang="zh-CN" altLang="zh-CN" sz="2400" b="1" dirty="0">
                   <a:solidFill>
-                    <a:srgbClr val="FFFF00"/>
+                    <a:schemeClr val="tx1"/>
                   </a:solidFill>
                   <a:latin typeface="微软雅黑" panose="020B0503020204020204" charset="-122"/>
                   <a:ea typeface="微软雅黑" panose="020B0503020204020204" charset="-122"/>
@@ -12292,7 +12287,7 @@
               <a:r>
                 <a:rPr lang="zh-CN" altLang="en-US" sz="2400" b="1" dirty="0">
                   <a:solidFill>
-                    <a:srgbClr val="FFFF00"/>
+                    <a:schemeClr val="tx1"/>
                   </a:solidFill>
                   <a:latin typeface="微软雅黑" panose="020B0503020204020204" charset="-122"/>
                   <a:ea typeface="微软雅黑" panose="020B0503020204020204" charset="-122"/>
@@ -12301,7 +12296,7 @@
               </a:r>
               <a:endParaRPr lang="zh-CN" altLang="en-US" sz="2400" b="1" dirty="0">
                 <a:solidFill>
-                  <a:srgbClr val="FFFF00"/>
+                  <a:schemeClr val="tx1"/>
                 </a:solidFill>
                 <a:latin typeface="微软雅黑" panose="020B0503020204020204" charset="-122"/>
                 <a:ea typeface="微软雅黑" panose="020B0503020204020204" charset="-122"/>
@@ -12856,7 +12851,7 @@
             <a:r>
               <a:rPr lang="zh-CN" altLang="zh-CN" sz="2000" dirty="0">
                 <a:solidFill>
-                  <a:srgbClr val="FF0000"/>
+                  <a:srgbClr val="00B0F0"/>
                 </a:solidFill>
                 <a:latin typeface="微软雅黑" panose="020B0503020204020204" charset="-122"/>
                 <a:ea typeface="微软雅黑" panose="020B0503020204020204" charset="-122"/>
@@ -12878,7 +12873,7 @@
             <a:r>
               <a:rPr lang="zh-CN" altLang="zh-CN" sz="2000" dirty="0">
                 <a:solidFill>
-                  <a:srgbClr val="FF0000"/>
+                  <a:srgbClr val="00B0F0"/>
                 </a:solidFill>
                 <a:latin typeface="微软雅黑" panose="020B0503020204020204" charset="-122"/>
                 <a:ea typeface="微软雅黑" panose="020B0503020204020204" charset="-122"/>
@@ -12889,7 +12884,7 @@
             <a:r>
               <a:rPr lang="en-US" altLang="zh-CN" sz="2000">
                 <a:solidFill>
-                  <a:srgbClr val="FF0000"/>
+                  <a:srgbClr val="00B0F0"/>
                 </a:solidFill>
                 <a:latin typeface="微软雅黑" panose="020B0503020204020204" charset="-122"/>
                 <a:ea typeface="微软雅黑" panose="020B0503020204020204" charset="-122"/>
@@ -12900,7 +12895,7 @@
             <a:r>
               <a:rPr lang="zh-CN" altLang="zh-CN" sz="2000" dirty="0">
                 <a:solidFill>
-                  <a:srgbClr val="FF0000"/>
+                  <a:srgbClr val="00B0F0"/>
                 </a:solidFill>
                 <a:latin typeface="微软雅黑" panose="020B0503020204020204" charset="-122"/>
                 <a:ea typeface="微软雅黑" panose="020B0503020204020204" charset="-122"/>
@@ -12911,7 +12906,7 @@
             <a:r>
               <a:rPr lang="en-US" altLang="zh-CN" sz="2000">
                 <a:solidFill>
-                  <a:srgbClr val="FF0000"/>
+                  <a:srgbClr val="00B0F0"/>
                 </a:solidFill>
                 <a:latin typeface="微软雅黑" panose="020B0503020204020204" charset="-122"/>
                 <a:ea typeface="微软雅黑" panose="020B0503020204020204" charset="-122"/>
@@ -12922,7 +12917,7 @@
             <a:r>
               <a:rPr lang="zh-CN" altLang="zh-CN" sz="2000" dirty="0">
                 <a:solidFill>
-                  <a:srgbClr val="FF0000"/>
+                  <a:srgbClr val="00B0F0"/>
                 </a:solidFill>
                 <a:latin typeface="微软雅黑" panose="020B0503020204020204" charset="-122"/>
                 <a:ea typeface="微软雅黑" panose="020B0503020204020204" charset="-122"/>
@@ -12933,7 +12928,7 @@
             <a:r>
               <a:rPr lang="zh-CN" altLang="en-US" sz="2000" dirty="0">
                 <a:solidFill>
-                  <a:srgbClr val="FF0000"/>
+                  <a:srgbClr val="00B0F0"/>
                 </a:solidFill>
                 <a:latin typeface="微软雅黑" panose="020B0503020204020204" charset="-122"/>
                 <a:ea typeface="微软雅黑" panose="020B0503020204020204" charset="-122"/>
@@ -12955,7 +12950,7 @@
             <a:r>
               <a:rPr lang="zh-CN" altLang="zh-CN" sz="2000" dirty="0">
                 <a:solidFill>
-                  <a:srgbClr val="FF0000"/>
+                  <a:srgbClr val="00B0F0"/>
                 </a:solidFill>
                 <a:latin typeface="微软雅黑" panose="020B0503020204020204" charset="-122"/>
                 <a:ea typeface="微软雅黑" panose="020B0503020204020204" charset="-122"/>
@@ -12977,7 +12972,7 @@
             <a:r>
               <a:rPr lang="zh-CN" altLang="zh-CN" sz="2000" dirty="0">
                 <a:solidFill>
-                  <a:srgbClr val="FF0000"/>
+                  <a:srgbClr val="00B0F0"/>
                 </a:solidFill>
                 <a:latin typeface="微软雅黑" panose="020B0503020204020204" charset="-122"/>
                 <a:ea typeface="微软雅黑" panose="020B0503020204020204" charset="-122"/>
@@ -13653,7 +13648,7 @@
                     <a:noFill/>
                   </a:ln>
                   <a:solidFill>
-                    <a:srgbClr val="FF0000"/>
+                    <a:schemeClr val="tx1"/>
                   </a:solidFill>
                   <a:effectLst/>
                   <a:uLnTx/>
@@ -13669,7 +13664,7 @@
                   <a:noFill/>
                 </a:ln>
                 <a:solidFill>
-                  <a:srgbClr val="FF0000"/>
+                  <a:schemeClr val="tx1"/>
                 </a:solidFill>
                 <a:effectLst/>
                 <a:uLnTx/>
@@ -13884,7 +13879,7 @@
                     <a:noFill/>
                   </a:ln>
                   <a:solidFill>
-                    <a:srgbClr val="FF0000"/>
+                    <a:srgbClr val="00B0F0"/>
                   </a:solidFill>
                   <a:effectLst/>
                   <a:uLnTx/>
@@ -13918,7 +13913,7 @@
                     <a:noFill/>
                   </a:ln>
                   <a:solidFill>
-                    <a:srgbClr val="FF0000"/>
+                    <a:srgbClr val="00B0F0"/>
                   </a:solidFill>
                   <a:effectLst/>
                   <a:uLnTx/>
@@ -13952,7 +13947,7 @@
                     <a:noFill/>
                   </a:ln>
                   <a:solidFill>
-                    <a:srgbClr val="FF0000"/>
+                    <a:srgbClr val="00B0F0"/>
                   </a:solidFill>
                   <a:effectLst/>
                   <a:uLnTx/>
@@ -13986,7 +13981,7 @@
                     <a:noFill/>
                   </a:ln>
                   <a:solidFill>
-                    <a:srgbClr val="FF0000"/>
+                    <a:srgbClr val="00B0F0"/>
                   </a:solidFill>
                   <a:effectLst/>
                   <a:uLnTx/>
@@ -17063,7 +17058,7 @@
                   <a:noFill/>
                 </a:ln>
                 <a:solidFill>
-                  <a:srgbClr val="FF0000"/>
+                  <a:srgbClr val="00B0F0"/>
                 </a:solidFill>
                 <a:effectLst/>
                 <a:uLnTx/>
@@ -17097,7 +17092,7 @@
                   <a:noFill/>
                 </a:ln>
                 <a:solidFill>
-                  <a:srgbClr val="FF0000"/>
+                  <a:srgbClr val="00B0F0"/>
                 </a:solidFill>
                 <a:effectLst/>
                 <a:uLnTx/>
@@ -17196,7 +17191,7 @@
                   <a:noFill/>
                 </a:ln>
                 <a:solidFill>
-                  <a:srgbClr val="FF0000"/>
+                  <a:srgbClr val="00B0F0"/>
                 </a:solidFill>
                 <a:effectLst/>
                 <a:uLnTx/>
@@ -17295,7 +17290,7 @@
                   <a:noFill/>
                 </a:ln>
                 <a:solidFill>
-                  <a:srgbClr val="FF0000"/>
+                  <a:srgbClr val="00B0F0"/>
                 </a:solidFill>
                 <a:effectLst/>
                 <a:uLnTx/>
@@ -17394,7 +17389,7 @@
                   <a:noFill/>
                 </a:ln>
                 <a:solidFill>
-                  <a:srgbClr val="FF0000"/>
+                  <a:srgbClr val="00B0F0"/>
                 </a:solidFill>
                 <a:effectLst/>
                 <a:uLnTx/>
@@ -17493,7 +17488,7 @@
                   <a:noFill/>
                 </a:ln>
                 <a:solidFill>
-                  <a:srgbClr val="FF0000"/>
+                  <a:srgbClr val="00B0F0"/>
                 </a:solidFill>
                 <a:effectLst/>
                 <a:uLnTx/>
@@ -17592,7 +17587,7 @@
                   <a:noFill/>
                 </a:ln>
                 <a:solidFill>
-                  <a:srgbClr val="FF0000"/>
+                  <a:srgbClr val="00B0F0"/>
                 </a:solidFill>
                 <a:effectLst/>
                 <a:uLnTx/>
@@ -17691,7 +17686,7 @@
                   <a:noFill/>
                 </a:ln>
                 <a:solidFill>
-                  <a:srgbClr val="FF0000"/>
+                  <a:srgbClr val="00B0F0"/>
                 </a:solidFill>
                 <a:effectLst/>
                 <a:uLnTx/>
@@ -18231,8 +18226,8 @@
         </p:nvSpPr>
         <p:spPr>
           <a:xfrm>
-            <a:off x="1063625" y="894080"/>
-            <a:ext cx="10099040" cy="5804535"/>
+            <a:off x="879475" y="894080"/>
+            <a:ext cx="10283190" cy="5804535"/>
           </a:xfrm>
           <a:prstGeom prst="rect">
             <a:avLst/>
@@ -18554,7 +18549,7 @@
                   <a:noFill/>
                 </a:ln>
                 <a:solidFill>
-                  <a:srgbClr val="FF0000"/>
+                  <a:srgbClr val="00B0F0"/>
                 </a:solidFill>
                 <a:effectLst/>
                 <a:uLnTx/>
@@ -18563,7 +18558,75 @@
                 <a:ea typeface="微软雅黑" panose="020B0503020204020204" charset="-122"/>
                 <a:cs typeface="微软雅黑" panose="020B0503020204020204" charset="-122"/>
               </a:rPr>
-              <a:t>信用互换、信用期权、信用关联票据</a:t>
+              <a:t>信用互换</a:t>
+            </a:r>
+            <a:r>
+              <a:rPr kumimoji="0" lang="zh-CN" altLang="en-US" sz="2000" i="0" u="none" strike="noStrike" kern="1200" cap="none" spc="0" normalizeH="0" baseline="0" noProof="0" dirty="0">
+                <a:ln>
+                  <a:noFill/>
+                </a:ln>
+                <a:solidFill>
+                  <a:schemeClr val="tx1"/>
+                </a:solidFill>
+                <a:effectLst/>
+                <a:uLnTx/>
+                <a:uFillTx/>
+                <a:latin typeface="微软雅黑" panose="020B0503020204020204" charset="-122"/>
+                <a:ea typeface="微软雅黑" panose="020B0503020204020204" charset="-122"/>
+                <a:cs typeface="微软雅黑" panose="020B0503020204020204" charset="-122"/>
+              </a:rPr>
+              <a:t>、</a:t>
+            </a:r>
+            <a:r>
+              <a:rPr kumimoji="0" lang="zh-CN" altLang="en-US" sz="2000" i="0" u="none" strike="noStrike" kern="1200" cap="none" spc="0" normalizeH="0" baseline="0" noProof="0" dirty="0">
+                <a:ln>
+                  <a:noFill/>
+                </a:ln>
+                <a:solidFill>
+                  <a:srgbClr val="00B0F0"/>
+                </a:solidFill>
+                <a:effectLst/>
+                <a:uLnTx/>
+                <a:uFillTx/>
+                <a:latin typeface="微软雅黑" panose="020B0503020204020204" charset="-122"/>
+                <a:ea typeface="微软雅黑" panose="020B0503020204020204" charset="-122"/>
+                <a:cs typeface="微软雅黑" panose="020B0503020204020204" charset="-122"/>
+              </a:rPr>
+              <a:t>信用期权</a:t>
+            </a:r>
+            <a:r>
+              <a:rPr kumimoji="0" lang="zh-CN" altLang="en-US" sz="2000" i="0" u="none" strike="noStrike" kern="1200" cap="none" spc="0" normalizeH="0" baseline="0" noProof="0" dirty="0">
+                <a:ln>
+                  <a:noFill/>
+                </a:ln>
+                <a:solidFill>
+                  <a:schemeClr val="tx1"/>
+                </a:solidFill>
+                <a:effectLst/>
+                <a:uLnTx/>
+                <a:uFillTx/>
+                <a:latin typeface="微软雅黑" panose="020B0503020204020204" charset="-122"/>
+                <a:ea typeface="微软雅黑" panose="020B0503020204020204" charset="-122"/>
+                <a:cs typeface="微软雅黑" panose="020B0503020204020204" charset="-122"/>
+              </a:rPr>
+              <a:t>、</a:t>
+            </a:r>
+            <a:r>
+              <a:rPr kumimoji="0" lang="zh-CN" altLang="en-US" sz="2000" i="0" u="none" strike="noStrike" kern="1200" cap="none" spc="0" normalizeH="0" baseline="0" noProof="0" dirty="0">
+                <a:ln>
+                  <a:noFill/>
+                </a:ln>
+                <a:solidFill>
+                  <a:srgbClr val="00B0F0"/>
+                </a:solidFill>
+                <a:effectLst/>
+                <a:uLnTx/>
+                <a:uFillTx/>
+                <a:latin typeface="微软雅黑" panose="020B0503020204020204" charset="-122"/>
+                <a:ea typeface="微软雅黑" panose="020B0503020204020204" charset="-122"/>
+                <a:cs typeface="微软雅黑" panose="020B0503020204020204" charset="-122"/>
+              </a:rPr>
+              <a:t>信用关联票据</a:t>
             </a:r>
             <a:r>
               <a:rPr kumimoji="0" lang="zh-CN" altLang="en-US" sz="2000" i="0" u="none" strike="noStrike" kern="1200" cap="none" spc="0" normalizeH="0" baseline="0" noProof="0" dirty="0">
@@ -18987,7 +19050,7 @@
                   <a:noFill/>
                 </a:ln>
                 <a:solidFill>
-                  <a:srgbClr val="FF0000"/>
+                  <a:schemeClr val="tx1"/>
                 </a:solidFill>
                 <a:effectLst/>
                 <a:uLnTx/>
@@ -19021,7 +19084,7 @@
                   <a:noFill/>
                 </a:ln>
                 <a:solidFill>
-                  <a:srgbClr val="FF0000"/>
+                  <a:schemeClr val="tx1"/>
                 </a:solidFill>
                 <a:effectLst/>
                 <a:uLnTx/>
@@ -19741,7 +19804,7 @@
                   <a:noFill/>
                 </a:ln>
                 <a:solidFill>
-                  <a:srgbClr val="FF0000"/>
+                  <a:srgbClr val="00B0F0"/>
                 </a:solidFill>
                 <a:effectLst/>
                 <a:uLnTx/>
@@ -19777,7 +19840,7 @@
                   <a:noFill/>
                 </a:ln>
                 <a:solidFill>
-                  <a:srgbClr val="FF0000"/>
+                  <a:srgbClr val="00B0F0"/>
                 </a:solidFill>
                 <a:effectLst/>
                 <a:uLnTx/>
@@ -19813,7 +19876,7 @@
                   <a:noFill/>
                 </a:ln>
                 <a:solidFill>
-                  <a:srgbClr val="FF0000"/>
+                  <a:srgbClr val="00B0F0"/>
                 </a:solidFill>
                 <a:effectLst/>
                 <a:uLnTx/>
@@ -19849,7 +19912,7 @@
                   <a:noFill/>
                 </a:ln>
                 <a:solidFill>
-                  <a:srgbClr val="FF0000"/>
+                  <a:srgbClr val="00B0F0"/>
                 </a:solidFill>
                 <a:effectLst/>
                 <a:uLnTx/>
@@ -19859,43 +19922,7 @@
                 <a:cs typeface="微软雅黑" panose="020B0503020204020204" charset="-122"/>
                 <a:sym typeface="+mn-ea"/>
               </a:rPr>
-              <a:t>债券数目不多、行业集中度高</a:t>
-            </a:r>
-            <a:r>
-              <a:rPr lang="zh-CN" altLang="en-US" sz="1800" noProof="0" dirty="0">
-                <a:ln>
-                  <a:noFill/>
-                </a:ln>
-                <a:solidFill>
-                  <a:srgbClr val="000000"/>
-                </a:solidFill>
-                <a:effectLst/>
-                <a:uLnTx/>
-                <a:uFillTx/>
-                <a:latin typeface="微软雅黑" panose="020B0503020204020204" charset="-122"/>
-                <a:ea typeface="微软雅黑" panose="020B0503020204020204" charset="-122"/>
-                <a:cs typeface="微软雅黑" panose="020B0503020204020204" charset="-122"/>
-                <a:sym typeface="+mn-ea"/>
-              </a:rPr>
-              <a:t>，</a:t>
-            </a:r>
-            <a:r>
-              <a:rPr lang="zh-CN" altLang="en-US" sz="1800" noProof="0" dirty="0">
-                <a:ln>
-                  <a:noFill/>
-                </a:ln>
-                <a:solidFill>
-                  <a:srgbClr val="FF0000"/>
-                </a:solidFill>
-                <a:effectLst/>
-                <a:uLnTx/>
-                <a:uFillTx/>
-                <a:latin typeface="微软雅黑" panose="020B0503020204020204" charset="-122"/>
-                <a:ea typeface="微软雅黑" panose="020B0503020204020204" charset="-122"/>
-                <a:cs typeface="微软雅黑" panose="020B0503020204020204" charset="-122"/>
-                <a:sym typeface="+mn-ea"/>
-              </a:rPr>
-              <a:t>不能有效分散信用风险</a:t>
+              <a:t>债券数目不多、行业集中度高，不能有效分散信用风险</a:t>
             </a:r>
             <a:r>
               <a:rPr lang="zh-CN" altLang="en-US" sz="1800" noProof="0" dirty="0">
@@ -19969,7 +19996,7 @@
                   <a:noFill/>
                 </a:ln>
                 <a:solidFill>
-                  <a:srgbClr val="FF0000"/>
+                  <a:srgbClr val="00B0F0"/>
                 </a:solidFill>
                 <a:effectLst/>
                 <a:uLnTx/>
@@ -20003,7 +20030,7 @@
                   <a:noFill/>
                 </a:ln>
                 <a:solidFill>
-                  <a:srgbClr val="FF0000"/>
+                  <a:srgbClr val="00B0F0"/>
                 </a:solidFill>
                 <a:effectLst/>
                 <a:uLnTx/>
@@ -20085,7 +20112,7 @@
                   <a:noFill/>
                 </a:ln>
                 <a:solidFill>
-                  <a:srgbClr val="FF0000"/>
+                  <a:srgbClr val="00B0F0"/>
                 </a:solidFill>
                 <a:effectLst/>
                 <a:uLnTx/>
@@ -20119,7 +20146,7 @@
                   <a:noFill/>
                 </a:ln>
                 <a:solidFill>
-                  <a:srgbClr val="000000"/>
+                  <a:srgbClr val="00B0F0"/>
                 </a:solidFill>
                 <a:effectLst/>
                 <a:uLnTx/>
@@ -20136,7 +20163,7 @@
                   <a:noFill/>
                 </a:ln>
                 <a:solidFill>
-                  <a:srgbClr val="000000"/>
+                  <a:srgbClr val="00B0F0"/>
                 </a:solidFill>
                 <a:effectLst/>
                 <a:uLnTx/>
@@ -20145,7 +20172,7 @@
                 <a:ea typeface="微软雅黑" panose="020B0503020204020204" charset="-122"/>
                 <a:cs typeface="微软雅黑" panose="020B0503020204020204" charset="-122"/>
               </a:rPr>
-              <a:t>万美元，合同资产可以从数百万元到数亿元，</a:t>
+              <a:t>万美元</a:t>
             </a:r>
             <a:r>
               <a:rPr kumimoji="0" lang="zh-CN" altLang="en-US" sz="1800" i="0" u="none" strike="noStrike" kern="1200" cap="none" spc="0" normalizeH="0" baseline="0" noProof="0" dirty="0">
@@ -20153,7 +20180,24 @@
                   <a:noFill/>
                 </a:ln>
                 <a:solidFill>
-                  <a:srgbClr val="FF0000"/>
+                  <a:srgbClr val="000000"/>
+                </a:solidFill>
+                <a:effectLst/>
+                <a:uLnTx/>
+                <a:uFillTx/>
+                <a:latin typeface="微软雅黑" panose="020B0503020204020204" charset="-122"/>
+                <a:ea typeface="微软雅黑" panose="020B0503020204020204" charset="-122"/>
+                <a:cs typeface="微软雅黑" panose="020B0503020204020204" charset="-122"/>
+              </a:rPr>
+              <a:t>，合同资产可以从数百万元到数亿元，</a:t>
+            </a:r>
+            <a:r>
+              <a:rPr kumimoji="0" lang="zh-CN" altLang="en-US" sz="1800" i="0" u="none" strike="noStrike" kern="1200" cap="none" spc="0" normalizeH="0" baseline="0" noProof="0" dirty="0">
+                <a:ln>
+                  <a:noFill/>
+                </a:ln>
+                <a:solidFill>
+                  <a:srgbClr val="00B0F0"/>
                 </a:solidFill>
                 <a:effectLst/>
                 <a:uLnTx/>
@@ -20170,7 +20214,7 @@
                   <a:noFill/>
                 </a:ln>
                 <a:solidFill>
-                  <a:srgbClr val="FF0000"/>
+                  <a:srgbClr val="00B0F0"/>
                 </a:solidFill>
                 <a:effectLst/>
                 <a:uLnTx/>
@@ -20187,7 +20231,7 @@
                   <a:noFill/>
                 </a:ln>
                 <a:solidFill>
-                  <a:srgbClr val="FF0000"/>
+                  <a:srgbClr val="00B0F0"/>
                 </a:solidFill>
                 <a:effectLst/>
                 <a:uLnTx/>
@@ -20204,7 +20248,7 @@
                   <a:noFill/>
                 </a:ln>
                 <a:solidFill>
-                  <a:srgbClr val="FF0000"/>
+                  <a:srgbClr val="00B0F0"/>
                 </a:solidFill>
                 <a:effectLst/>
                 <a:uLnTx/>
@@ -20221,7 +20265,7 @@
                   <a:noFill/>
                 </a:ln>
                 <a:solidFill>
-                  <a:srgbClr val="FF0000"/>
+                  <a:srgbClr val="00B0F0"/>
                 </a:solidFill>
                 <a:effectLst/>
                 <a:uLnTx/>
@@ -20303,7 +20347,7 @@
                   <a:noFill/>
                 </a:ln>
                 <a:solidFill>
-                  <a:srgbClr val="FF0000"/>
+                  <a:srgbClr val="00B0F0"/>
                 </a:solidFill>
                 <a:effectLst/>
                 <a:uLnTx/>
@@ -21404,7 +21448,7 @@
             <a:r>
               <a:rPr lang="zh-CN" altLang="en-US">
                 <a:solidFill>
-                  <a:srgbClr val="FF0000"/>
+                  <a:srgbClr val="00B0F0"/>
                 </a:solidFill>
                 <a:latin typeface="微软雅黑" panose="020B0503020204020204" charset="-122"/>
                 <a:ea typeface="微软雅黑" panose="020B0503020204020204" charset="-122"/>
@@ -21559,7 +21603,7 @@
             <a:r>
               <a:rPr lang="zh-CN" altLang="en-US">
                 <a:solidFill>
-                  <a:srgbClr val="FF0000"/>
+                  <a:srgbClr val="00B0F0"/>
                 </a:solidFill>
                 <a:latin typeface="微软雅黑" panose="020B0503020204020204" charset="-122"/>
                 <a:ea typeface="微软雅黑" panose="020B0503020204020204" charset="-122"/>
@@ -22772,9 +22816,26 @@
                 <a:ea typeface="微软雅黑" panose="020B0503020204020204" charset="-122"/>
                 <a:cs typeface="微软雅黑" panose="020B0503020204020204" charset="-122"/>
               </a:rPr>
-              <a:t>掌握银行信用产品的业务流程</a:t>
+              <a:t>掌握</a:t>
             </a:r>
-            <a:endParaRPr kumimoji="0" lang="zh-CN" altLang="en-US" sz="2400" i="0" u="none" strike="noStrike" kern="1200" cap="none" spc="0" normalizeH="0" baseline="0" noProof="0" dirty="0">
+            <a:r>
+              <a:rPr kumimoji="0" lang="zh-CN" altLang="en-US" sz="2400" b="1" i="0" u="none" strike="noStrike" kern="1200" cap="none" spc="0" normalizeH="0" baseline="0" noProof="0" dirty="0">
+                <a:ln>
+                  <a:noFill/>
+                </a:ln>
+                <a:solidFill>
+                  <a:schemeClr val="tx1"/>
+                </a:solidFill>
+                <a:effectLst/>
+                <a:uLnTx/>
+                <a:uFillTx/>
+                <a:latin typeface="微软雅黑" panose="020B0503020204020204" charset="-122"/>
+                <a:ea typeface="微软雅黑" panose="020B0503020204020204" charset="-122"/>
+                <a:cs typeface="微软雅黑" panose="020B0503020204020204" charset="-122"/>
+              </a:rPr>
+              <a:t>银行信用产品的业务流程</a:t>
+            </a:r>
+            <a:endParaRPr kumimoji="0" lang="zh-CN" altLang="en-US" sz="2400" b="1" i="0" u="none" strike="noStrike" kern="1200" cap="none" spc="0" normalizeH="0" baseline="0" noProof="0" dirty="0">
               <a:ln>
                 <a:noFill/>
               </a:ln>
@@ -23598,6 +23659,7 @@
                   <a:latin typeface="微软雅黑" panose="020B0503020204020204" charset="-122"/>
                   <a:ea typeface="微软雅黑" panose="020B0503020204020204" charset="-122"/>
                   <a:cs typeface="微软雅黑" panose="020B0503020204020204" charset="-122"/>
+                  <a:hlinkClick r:id="rId4" tooltip="" action="ppaction://hlinkfile"/>
                 </a:rPr>
                 <a:t>LIBOR</a:t>
               </a:r>
@@ -24050,7 +24112,7 @@
             <a:r>
               <a:rPr lang="zh-CN" altLang="en-US">
                 <a:solidFill>
-                  <a:srgbClr val="FF0000"/>
+                  <a:srgbClr val="00B0F0"/>
                 </a:solidFill>
                 <a:latin typeface="微软雅黑" panose="020B0503020204020204" charset="-122"/>
                 <a:ea typeface="微软雅黑" panose="020B0503020204020204" charset="-122"/>
@@ -24069,7 +24131,7 @@
             <a:r>
               <a:rPr lang="zh-CN" altLang="en-US">
                 <a:solidFill>
-                  <a:srgbClr val="FF0000"/>
+                  <a:srgbClr val="00B0F0"/>
                 </a:solidFill>
                 <a:latin typeface="微软雅黑" panose="020B0503020204020204" charset="-122"/>
                 <a:ea typeface="微软雅黑" panose="020B0503020204020204" charset="-122"/>
@@ -24120,7 +24182,7 @@
             <a:r>
               <a:rPr lang="zh-CN" altLang="en-US">
                 <a:solidFill>
-                  <a:srgbClr val="FF0000"/>
+                  <a:srgbClr val="00B0F0"/>
                 </a:solidFill>
                 <a:latin typeface="微软雅黑" panose="020B0503020204020204" charset="-122"/>
                 <a:ea typeface="微软雅黑" panose="020B0503020204020204" charset="-122"/>
@@ -24139,7 +24201,7 @@
             <a:r>
               <a:rPr lang="zh-CN" altLang="en-US">
                 <a:solidFill>
-                  <a:srgbClr val="FF0000"/>
+                  <a:srgbClr val="00B0F0"/>
                 </a:solidFill>
                 <a:latin typeface="微软雅黑" panose="020B0503020204020204" charset="-122"/>
                 <a:ea typeface="微软雅黑" panose="020B0503020204020204" charset="-122"/>
@@ -24191,7 +24253,7 @@
                   <a:noFill/>
                 </a:ln>
                 <a:solidFill>
-                  <a:srgbClr val="FF0000"/>
+                  <a:srgbClr val="00B0F0"/>
                 </a:solidFill>
                 <a:effectLst/>
                 <a:uLnTx/>
@@ -24227,7 +24289,7 @@
                   <a:noFill/>
                 </a:ln>
                 <a:solidFill>
-                  <a:srgbClr val="FF0000"/>
+                  <a:srgbClr val="00B0F0"/>
                 </a:solidFill>
                 <a:effectLst/>
                 <a:uLnTx/>
@@ -24335,7 +24397,7 @@
                   <a:noFill/>
                 </a:ln>
                 <a:solidFill>
-                  <a:srgbClr val="FF0000"/>
+                  <a:srgbClr val="00B0F0"/>
                 </a:solidFill>
                 <a:effectLst/>
                 <a:uLnTx/>
@@ -24353,7 +24415,7 @@
                   <a:noFill/>
                 </a:ln>
                 <a:solidFill>
-                  <a:srgbClr val="FF0000"/>
+                  <a:srgbClr val="00B0F0"/>
                 </a:solidFill>
                 <a:effectLst/>
                 <a:uLnTx/>
@@ -24461,7 +24523,7 @@
                   <a:noFill/>
                 </a:ln>
                 <a:solidFill>
-                  <a:srgbClr val="FF0000"/>
+                  <a:srgbClr val="00B0F0"/>
                 </a:solidFill>
                 <a:effectLst/>
                 <a:uLnTx/>
@@ -24479,7 +24541,7 @@
                   <a:noFill/>
                 </a:ln>
                 <a:solidFill>
-                  <a:srgbClr val="FF0000"/>
+                  <a:srgbClr val="00B0F0"/>
                 </a:solidFill>
                 <a:effectLst/>
                 <a:uLnTx/>
@@ -24497,7 +24559,7 @@
                   <a:noFill/>
                 </a:ln>
                 <a:solidFill>
-                  <a:srgbClr val="FF0000"/>
+                  <a:srgbClr val="00B0F0"/>
                 </a:solidFill>
                 <a:effectLst/>
                 <a:uLnTx/>
@@ -24533,7 +24595,7 @@
                   <a:noFill/>
                 </a:ln>
                 <a:solidFill>
-                  <a:srgbClr val="FF0000"/>
+                  <a:srgbClr val="00B0F0"/>
                 </a:solidFill>
                 <a:effectLst/>
                 <a:uLnTx/>
@@ -25304,12 +25366,31 @@
                 <a:ea typeface="微软雅黑" panose="020B0503020204020204" charset="-122"/>
                 <a:cs typeface="微软雅黑" panose="020B0503020204020204" charset="-122"/>
               </a:rPr>
-              <a:t>信用违约互换（Credit Default Swap，简称 CDS）是国际信用衍生产品中规模占比较高的品种，是主流的信用衍生产品之一，是一种</a:t>
+              <a:t>信用违约互换（Credit Default Swap，简称 CDS）是国际信用衍生产品中</a:t>
             </a:r>
             <a:r>
               <a:rPr lang="zh-CN" altLang="en-US">
                 <a:solidFill>
-                  <a:srgbClr val="FF0000"/>
+                  <a:srgbClr val="00B0F0"/>
+                </a:solidFill>
+                <a:latin typeface="微软雅黑" panose="020B0503020204020204" charset="-122"/>
+                <a:ea typeface="微软雅黑" panose="020B0503020204020204" charset="-122"/>
+                <a:cs typeface="微软雅黑" panose="020B0503020204020204" charset="-122"/>
+              </a:rPr>
+              <a:t>规模占比较高的品种</a:t>
+            </a:r>
+            <a:r>
+              <a:rPr lang="zh-CN" altLang="en-US">
+                <a:latin typeface="微软雅黑" panose="020B0503020204020204" charset="-122"/>
+                <a:ea typeface="微软雅黑" panose="020B0503020204020204" charset="-122"/>
+                <a:cs typeface="微软雅黑" panose="020B0503020204020204" charset="-122"/>
+              </a:rPr>
+              <a:t>，是主流的信用衍生产品之一，是一种</a:t>
+            </a:r>
+            <a:r>
+              <a:rPr lang="zh-CN" altLang="en-US">
+                <a:solidFill>
+                  <a:srgbClr val="00B0F0"/>
                 </a:solidFill>
                 <a:latin typeface="微软雅黑" panose="020B0503020204020204" charset="-122"/>
                 <a:ea typeface="微软雅黑" panose="020B0503020204020204" charset="-122"/>
@@ -25328,7 +25409,7 @@
             <a:r>
               <a:rPr lang="zh-CN" altLang="en-US">
                 <a:solidFill>
-                  <a:srgbClr val="FF0000"/>
+                  <a:srgbClr val="00B0F0"/>
                 </a:solidFill>
                 <a:latin typeface="微软雅黑" panose="020B0503020204020204" charset="-122"/>
                 <a:ea typeface="微软雅黑" panose="020B0503020204020204" charset="-122"/>
@@ -25347,13 +25428,13 @@
             <a:r>
               <a:rPr lang="zh-CN" altLang="en-US">
                 <a:solidFill>
-                  <a:srgbClr val="FF0000"/>
+                  <a:srgbClr val="00B0F0"/>
                 </a:solidFill>
                 <a:latin typeface="微软雅黑" panose="020B0503020204020204" charset="-122"/>
                 <a:ea typeface="微软雅黑" panose="020B0503020204020204" charset="-122"/>
                 <a:cs typeface="微软雅黑" panose="020B0503020204020204" charset="-122"/>
               </a:rPr>
-              <a:t>赔偿参考价值面值的损失部分，</a:t>
+              <a:t>赔偿参考价值面值的损失部分</a:t>
             </a:r>
             <a:r>
               <a:rPr lang="zh-CN" altLang="en-US">
@@ -25364,7 +25445,18 @@
                 <a:ea typeface="微软雅黑" panose="020B0503020204020204" charset="-122"/>
                 <a:cs typeface="微软雅黑" panose="020B0503020204020204" charset="-122"/>
               </a:rPr>
-              <a:t>为买方提供被违约时的本金保障</a:t>
+              <a:t>，为买方提供被违约时的</a:t>
+            </a:r>
+            <a:r>
+              <a:rPr lang="zh-CN" altLang="en-US">
+                <a:solidFill>
+                  <a:srgbClr val="00B0F0"/>
+                </a:solidFill>
+                <a:latin typeface="微软雅黑" panose="020B0503020204020204" charset="-122"/>
+                <a:ea typeface="微软雅黑" panose="020B0503020204020204" charset="-122"/>
+                <a:cs typeface="微软雅黑" panose="020B0503020204020204" charset="-122"/>
+              </a:rPr>
+              <a:t>本金保障</a:t>
             </a:r>
             <a:r>
               <a:rPr lang="zh-CN" altLang="en-US">
@@ -26116,7 +26208,7 @@
             <a:r>
               <a:rPr lang="zh-CN" altLang="en-US">
                 <a:solidFill>
-                  <a:srgbClr val="FF0000"/>
+                  <a:srgbClr val="00B0F0"/>
                 </a:solidFill>
                 <a:latin typeface="微软雅黑" panose="020B0503020204020204" charset="-122"/>
                 <a:ea typeface="微软雅黑" panose="020B0503020204020204" charset="-122"/>
@@ -26155,7 +26247,7 @@
             <a:r>
               <a:rPr lang="zh-CN" altLang="en-US">
                 <a:solidFill>
-                  <a:srgbClr val="FF0000"/>
+                  <a:srgbClr val="00B0F0"/>
                 </a:solidFill>
                 <a:latin typeface="微软雅黑" panose="020B0503020204020204" charset="-122"/>
                 <a:ea typeface="微软雅黑" panose="020B0503020204020204" charset="-122"/>
@@ -26670,7 +26762,7 @@
             <a:r>
               <a:rPr lang="zh-CN" altLang="en-US">
                 <a:solidFill>
-                  <a:srgbClr val="FF0000"/>
+                  <a:srgbClr val="00B0F0"/>
                 </a:solidFill>
                 <a:latin typeface="微软雅黑" panose="020B0503020204020204" charset="-122"/>
                 <a:ea typeface="微软雅黑" panose="020B0503020204020204" charset="-122"/>
@@ -26689,7 +26781,7 @@
             <a:r>
               <a:rPr lang="zh-CN" altLang="en-US">
                 <a:solidFill>
-                  <a:srgbClr val="FF0000"/>
+                  <a:srgbClr val="00B0F0"/>
                 </a:solidFill>
                 <a:latin typeface="微软雅黑" panose="020B0503020204020204" charset="-122"/>
                 <a:ea typeface="微软雅黑" panose="020B0503020204020204" charset="-122"/>
@@ -26708,7 +26800,7 @@
             <a:r>
               <a:rPr lang="zh-CN" altLang="en-US">
                 <a:solidFill>
-                  <a:srgbClr val="FF0000"/>
+                  <a:srgbClr val="00B0F0"/>
                 </a:solidFill>
                 <a:latin typeface="微软雅黑" panose="020B0503020204020204" charset="-122"/>
                 <a:ea typeface="微软雅黑" panose="020B0503020204020204" charset="-122"/>
@@ -26727,7 +26819,7 @@
             <a:r>
               <a:rPr lang="zh-CN" altLang="en-US">
                 <a:solidFill>
-                  <a:srgbClr val="FF0000"/>
+                  <a:srgbClr val="00B0F0"/>
                 </a:solidFill>
                 <a:latin typeface="微软雅黑" panose="020B0503020204020204" charset="-122"/>
                 <a:ea typeface="微软雅黑" panose="020B0503020204020204" charset="-122"/>
@@ -26766,7 +26858,7 @@
             <a:r>
               <a:rPr lang="zh-CN" altLang="en-US">
                 <a:solidFill>
-                  <a:srgbClr val="FF0000"/>
+                  <a:srgbClr val="00B0F0"/>
                 </a:solidFill>
                 <a:latin typeface="微软雅黑" panose="020B0503020204020204" charset="-122"/>
                 <a:ea typeface="微软雅黑" panose="020B0503020204020204" charset="-122"/>
@@ -26785,7 +26877,7 @@
             <a:r>
               <a:rPr lang="zh-CN" altLang="en-US">
                 <a:solidFill>
-                  <a:srgbClr val="FF0000"/>
+                  <a:srgbClr val="00B0F0"/>
                 </a:solidFill>
                 <a:latin typeface="微软雅黑" panose="020B0503020204020204" charset="-122"/>
                 <a:ea typeface="微软雅黑" panose="020B0503020204020204" charset="-122"/>
@@ -26804,7 +26896,7 @@
             <a:r>
               <a:rPr lang="zh-CN" altLang="en-US">
                 <a:solidFill>
-                  <a:srgbClr val="FF0000"/>
+                  <a:srgbClr val="00B0F0"/>
                 </a:solidFill>
                 <a:latin typeface="微软雅黑" panose="020B0503020204020204" charset="-122"/>
                 <a:ea typeface="微软雅黑" panose="020B0503020204020204" charset="-122"/>
@@ -26823,7 +26915,7 @@
             <a:r>
               <a:rPr lang="zh-CN" altLang="en-US">
                 <a:solidFill>
-                  <a:srgbClr val="FF0000"/>
+                  <a:srgbClr val="00B0F0"/>
                 </a:solidFill>
                 <a:latin typeface="微软雅黑" panose="020B0503020204020204" charset="-122"/>
                 <a:ea typeface="微软雅黑" panose="020B0503020204020204" charset="-122"/>
@@ -26842,7 +26934,7 @@
             <a:r>
               <a:rPr lang="zh-CN" altLang="en-US">
                 <a:solidFill>
-                  <a:srgbClr val="FF0000"/>
+                  <a:srgbClr val="00B0F0"/>
                 </a:solidFill>
                 <a:latin typeface="微软雅黑" panose="020B0503020204020204" charset="-122"/>
                 <a:ea typeface="微软雅黑" panose="020B0503020204020204" charset="-122"/>
@@ -27259,7 +27351,7 @@
                         <a:noFill/>
                       </a:ln>
                       <a:solidFill>
-                        <a:srgbClr val="FF0000"/>
+                        <a:srgbClr val="00B0F0"/>
                       </a:solidFill>
                       <a:effectLst/>
                       <a:uLnTx/>
@@ -27276,7 +27368,7 @@
                         <a:noFill/>
                       </a:ln>
                       <a:solidFill>
-                        <a:srgbClr val="FF0000"/>
+                        <a:srgbClr val="00B0F0"/>
                       </a:solidFill>
                       <a:effectLst/>
                       <a:uLnTx/>
@@ -27293,7 +27385,7 @@
                         <a:noFill/>
                       </a:ln>
                       <a:solidFill>
-                        <a:srgbClr val="FF0000"/>
+                        <a:srgbClr val="00B0F0"/>
                       </a:solidFill>
                       <a:effectLst/>
                       <a:uLnTx/>
@@ -27327,7 +27419,7 @@
                         <a:noFill/>
                       </a:ln>
                       <a:solidFill>
-                        <a:srgbClr val="FF0000"/>
+                        <a:srgbClr val="00B0F0"/>
                       </a:solidFill>
                       <a:effectLst/>
                       <a:uLnTx/>
@@ -27395,7 +27487,7 @@
                         <a:noFill/>
                       </a:ln>
                       <a:solidFill>
-                        <a:srgbClr val="FF0000"/>
+                        <a:srgbClr val="00B0F0"/>
                       </a:solidFill>
                       <a:effectLst/>
                       <a:uLnTx/>
@@ -27497,7 +27589,7 @@
                         <a:noFill/>
                       </a:ln>
                       <a:solidFill>
-                        <a:srgbClr val="FF0000"/>
+                        <a:srgbClr val="00B0F0"/>
                       </a:solidFill>
                       <a:effectLst/>
                       <a:uLnTx/>
@@ -27633,7 +27725,7 @@
                         <a:noFill/>
                       </a:ln>
                       <a:solidFill>
-                        <a:srgbClr val="FF0000"/>
+                        <a:srgbClr val="00B0F0"/>
                       </a:solidFill>
                       <a:effectLst/>
                       <a:uLnTx/>
@@ -27955,7 +28047,7 @@
                         <a:noFill/>
                       </a:ln>
                       <a:solidFill>
-                        <a:srgbClr val="FF0000"/>
+                        <a:srgbClr val="00B0F0"/>
                       </a:solidFill>
                       <a:effectLst/>
                       <a:uLnTx/>
@@ -28244,7 +28336,7 @@
                         <a:noFill/>
                       </a:ln>
                       <a:solidFill>
-                        <a:srgbClr val="FF0000"/>
+                        <a:srgbClr val="00B0F0"/>
                       </a:solidFill>
                       <a:effectLst/>
                       <a:uLnTx/>
@@ -28369,7 +28461,7 @@
                     <a:noFill/>
                   </a:ln>
                   <a:solidFill>
-                    <a:srgbClr val="FF0000"/>
+                    <a:srgbClr val="00B0F0"/>
                   </a:solidFill>
                   <a:effectLst/>
                   <a:uLnTx/>
@@ -29367,7 +29459,7 @@
                         <a:noFill/>
                       </a:ln>
                       <a:solidFill>
-                        <a:srgbClr val="FF0000"/>
+                        <a:srgbClr val="00B0F0"/>
                       </a:solidFill>
                       <a:effectLst/>
                       <a:uLnTx/>
@@ -29435,7 +29527,7 @@
                         <a:noFill/>
                       </a:ln>
                       <a:solidFill>
-                        <a:srgbClr val="FF0000"/>
+                        <a:srgbClr val="00B0F0"/>
                       </a:solidFill>
                       <a:effectLst/>
                       <a:uLnTx/>
@@ -29452,7 +29544,7 @@
                         <a:noFill/>
                       </a:ln>
                       <a:solidFill>
-                        <a:srgbClr val="FF0000"/>
+                        <a:srgbClr val="00B0F0"/>
                       </a:solidFill>
                       <a:effectLst/>
                       <a:uLnTx/>
@@ -29469,7 +29561,7 @@
                         <a:noFill/>
                       </a:ln>
                       <a:solidFill>
-                        <a:srgbClr val="FF0000"/>
+                        <a:srgbClr val="00B0F0"/>
                       </a:solidFill>
                       <a:effectLst/>
                       <a:uLnTx/>
@@ -29537,7 +29629,7 @@
                         <a:noFill/>
                       </a:ln>
                       <a:solidFill>
-                        <a:srgbClr val="FF0000"/>
+                        <a:srgbClr val="00B0F0"/>
                       </a:solidFill>
                       <a:effectLst/>
                       <a:uLnTx/>
@@ -29605,7 +29697,7 @@
                         <a:noFill/>
                       </a:ln>
                       <a:solidFill>
-                        <a:srgbClr val="FF0000"/>
+                        <a:srgbClr val="00B0F0"/>
                       </a:solidFill>
                       <a:effectLst/>
                       <a:uLnTx/>
@@ -29944,7 +30036,7 @@
                         <a:noFill/>
                       </a:ln>
                       <a:solidFill>
-                        <a:srgbClr val="FF0000"/>
+                        <a:srgbClr val="00B0F0"/>
                       </a:solidFill>
                       <a:effectLst/>
                       <a:uLnTx/>
@@ -30165,7 +30257,7 @@
                         <a:noFill/>
                       </a:ln>
                       <a:solidFill>
-                        <a:srgbClr val="FF0000"/>
+                        <a:srgbClr val="00B0F0"/>
                       </a:solidFill>
                       <a:effectLst/>
                       <a:uLnTx/>
@@ -30358,7 +30450,7 @@
                     <a:noFill/>
                   </a:ln>
                   <a:solidFill>
-                    <a:srgbClr val="FF0000"/>
+                    <a:srgbClr val="00B0F0"/>
                   </a:solidFill>
                   <a:effectLst/>
                   <a:uLnTx/>
@@ -30890,12 +30982,31 @@
                 <a:ea typeface="微软雅黑" panose="020B0503020204020204" charset="-122"/>
                 <a:cs typeface="微软雅黑" panose="020B0503020204020204" charset="-122"/>
               </a:rPr>
-              <a:t>信用联系票据是指同货币市场票据相联系的一种信用衍生品，是</a:t>
+              <a:t>信用联系票据是指</a:t>
             </a:r>
             <a:r>
               <a:rPr lang="zh-CN" altLang="en-US">
                 <a:solidFill>
-                  <a:srgbClr val="FF0000"/>
+                  <a:srgbClr val="00B0F0"/>
+                </a:solidFill>
+                <a:latin typeface="微软雅黑" panose="020B0503020204020204" charset="-122"/>
+                <a:ea typeface="微软雅黑" panose="020B0503020204020204" charset="-122"/>
+                <a:cs typeface="微软雅黑" panose="020B0503020204020204" charset="-122"/>
+              </a:rPr>
+              <a:t>同货币市场票据相联系的一种信用衍生品</a:t>
+            </a:r>
+            <a:r>
+              <a:rPr lang="zh-CN" altLang="en-US">
+                <a:latin typeface="微软雅黑" panose="020B0503020204020204" charset="-122"/>
+                <a:ea typeface="微软雅黑" panose="020B0503020204020204" charset="-122"/>
+                <a:cs typeface="微软雅黑" panose="020B0503020204020204" charset="-122"/>
+              </a:rPr>
+              <a:t>，是</a:t>
+            </a:r>
+            <a:r>
+              <a:rPr lang="zh-CN" altLang="en-US">
+                <a:solidFill>
+                  <a:srgbClr val="00B0F0"/>
                 </a:solidFill>
                 <a:latin typeface="微软雅黑" panose="020B0503020204020204" charset="-122"/>
                 <a:ea typeface="微软雅黑" panose="020B0503020204020204" charset="-122"/>
@@ -30914,7 +31025,7 @@
             <a:r>
               <a:rPr lang="zh-CN" altLang="en-US">
                 <a:solidFill>
-                  <a:srgbClr val="FF0000"/>
+                  <a:srgbClr val="00B0F0"/>
                 </a:solidFill>
                 <a:latin typeface="微软雅黑" panose="020B0503020204020204" charset="-122"/>
                 <a:ea typeface="微软雅黑" panose="020B0503020204020204" charset="-122"/>
@@ -30933,7 +31044,7 @@
             <a:r>
               <a:rPr lang="zh-CN" altLang="en-US">
                 <a:solidFill>
-                  <a:srgbClr val="FF0000"/>
+                  <a:srgbClr val="00B0F0"/>
                 </a:solidFill>
                 <a:latin typeface="微软雅黑" panose="020B0503020204020204" charset="-122"/>
                 <a:ea typeface="微软雅黑" panose="020B0503020204020204" charset="-122"/>
@@ -30952,7 +31063,7 @@
             <a:r>
               <a:rPr lang="zh-CN" altLang="en-US">
                 <a:solidFill>
-                  <a:srgbClr val="FF0000"/>
+                  <a:srgbClr val="00B0F0"/>
                 </a:solidFill>
                 <a:latin typeface="微软雅黑" panose="020B0503020204020204" charset="-122"/>
                 <a:ea typeface="微软雅黑" panose="020B0503020204020204" charset="-122"/>
@@ -30971,7 +31082,7 @@
             <a:r>
               <a:rPr lang="zh-CN" altLang="en-US">
                 <a:solidFill>
-                  <a:srgbClr val="FF0000"/>
+                  <a:srgbClr val="00B0F0"/>
                 </a:solidFill>
                 <a:latin typeface="微软雅黑" panose="020B0503020204020204" charset="-122"/>
                 <a:ea typeface="微软雅黑" panose="020B0503020204020204" charset="-122"/>
@@ -30990,7 +31101,7 @@
             <a:r>
               <a:rPr lang="zh-CN" altLang="en-US">
                 <a:solidFill>
-                  <a:srgbClr val="FF0000"/>
+                  <a:srgbClr val="00B0F0"/>
                 </a:solidFill>
                 <a:latin typeface="微软雅黑" panose="020B0503020204020204" charset="-122"/>
                 <a:ea typeface="微软雅黑" panose="020B0503020204020204" charset="-122"/>
@@ -31009,7 +31120,7 @@
             <a:r>
               <a:rPr lang="zh-CN" altLang="en-US">
                 <a:solidFill>
-                  <a:srgbClr val="FF0000"/>
+                  <a:srgbClr val="00B0F0"/>
                 </a:solidFill>
                 <a:latin typeface="微软雅黑" panose="020B0503020204020204" charset="-122"/>
                 <a:ea typeface="微软雅黑" panose="020B0503020204020204" charset="-122"/>
@@ -31028,7 +31139,7 @@
             <a:r>
               <a:rPr lang="zh-CN" altLang="en-US">
                 <a:solidFill>
-                  <a:srgbClr val="FF0000"/>
+                  <a:srgbClr val="00B0F0"/>
                 </a:solidFill>
                 <a:latin typeface="微软雅黑" panose="020B0503020204020204" charset="-122"/>
                 <a:ea typeface="微软雅黑" panose="020B0503020204020204" charset="-122"/>
@@ -31753,7 +31864,7 @@
                   <a:noFill/>
                 </a:ln>
                 <a:solidFill>
-                  <a:srgbClr val="FF0000"/>
+                  <a:srgbClr val="00B0F0"/>
                 </a:solidFill>
                 <a:effectLst/>
                 <a:uLnTx/>
@@ -31787,7 +31898,7 @@
                   <a:noFill/>
                 </a:ln>
                 <a:solidFill>
-                  <a:srgbClr val="FF0000"/>
+                  <a:srgbClr val="00B0F0"/>
                 </a:solidFill>
                 <a:effectLst/>
                 <a:uLnTx/>
@@ -31821,7 +31932,7 @@
                   <a:noFill/>
                 </a:ln>
                 <a:solidFill>
-                  <a:srgbClr val="FF0000"/>
+                  <a:srgbClr val="00B0F0"/>
                 </a:solidFill>
                 <a:effectLst/>
                 <a:uLnTx/>
@@ -31838,7 +31949,7 @@
                   <a:noFill/>
                 </a:ln>
                 <a:solidFill>
-                  <a:srgbClr val="FF0000"/>
+                  <a:srgbClr val="00B0F0"/>
                 </a:solidFill>
                 <a:effectLst/>
                 <a:uLnTx/>
@@ -31872,7 +31983,7 @@
                   <a:noFill/>
                 </a:ln>
                 <a:solidFill>
-                  <a:srgbClr val="FF0000"/>
+                  <a:srgbClr val="00B0F0"/>
                 </a:solidFill>
                 <a:effectLst/>
                 <a:uLnTx/>
@@ -31906,7 +32017,7 @@
                   <a:noFill/>
                 </a:ln>
                 <a:solidFill>
-                  <a:srgbClr val="FF0000"/>
+                  <a:srgbClr val="00B0F0"/>
                 </a:solidFill>
                 <a:effectLst/>
                 <a:uLnTx/>
@@ -31923,7 +32034,7 @@
                   <a:noFill/>
                 </a:ln>
                 <a:solidFill>
-                  <a:srgbClr val="FF0000"/>
+                  <a:srgbClr val="00B0F0"/>
                 </a:solidFill>
                 <a:effectLst/>
                 <a:uLnTx/>
@@ -31991,7 +32102,7 @@
                   <a:noFill/>
                 </a:ln>
                 <a:solidFill>
-                  <a:srgbClr val="FF0000"/>
+                  <a:srgbClr val="00B0F0"/>
                 </a:solidFill>
                 <a:effectLst/>
                 <a:uLnTx/>
@@ -32025,7 +32136,7 @@
                   <a:noFill/>
                 </a:ln>
                 <a:solidFill>
-                  <a:srgbClr val="FF0000"/>
+                  <a:srgbClr val="00B0F0"/>
                 </a:solidFill>
                 <a:effectLst/>
                 <a:uLnTx/>
@@ -32042,7 +32153,7 @@
                   <a:noFill/>
                 </a:ln>
                 <a:solidFill>
-                  <a:srgbClr val="FF0000"/>
+                  <a:srgbClr val="00B0F0"/>
                 </a:solidFill>
                 <a:effectLst/>
                 <a:uLnTx/>
@@ -32263,7 +32374,7 @@
                   <a:noFill/>
                 </a:ln>
                 <a:solidFill>
-                  <a:srgbClr val="FF0000"/>
+                  <a:srgbClr val="00B0F0"/>
                 </a:solidFill>
                 <a:effectLst/>
                 <a:uLnTx/>
@@ -32297,7 +32408,7 @@
                   <a:noFill/>
                 </a:ln>
                 <a:solidFill>
-                  <a:srgbClr val="FF0000"/>
+                  <a:srgbClr val="00B0F0"/>
                 </a:solidFill>
                 <a:effectLst/>
                 <a:uLnTx/>
@@ -32331,7 +32442,7 @@
                   <a:noFill/>
                 </a:ln>
                 <a:solidFill>
-                  <a:srgbClr val="FF0000"/>
+                  <a:srgbClr val="00B0F0"/>
                 </a:solidFill>
                 <a:effectLst/>
                 <a:uLnTx/>
@@ -36231,7 +36342,7 @@
               <a:r>
                 <a:rPr lang="zh-CN" altLang="en-US" b="1" dirty="0">
                   <a:solidFill>
-                    <a:srgbClr val="FF0000"/>
+                    <a:srgbClr val="00B0F0"/>
                   </a:solidFill>
                   <a:latin typeface="微软雅黑" panose="020B0503020204020204" charset="-122"/>
                   <a:ea typeface="微软雅黑" panose="020B0503020204020204" charset="-122"/>
@@ -36241,16 +36352,16 @@
               <a:r>
                 <a:rPr lang="zh-CN" altLang="zh-CN" b="1" dirty="0">
                   <a:solidFill>
-                    <a:srgbClr val="FF0000"/>
+                    <a:srgbClr val="00B0F0"/>
                   </a:solidFill>
                   <a:latin typeface="微软雅黑" panose="020B0503020204020204" charset="-122"/>
                   <a:ea typeface="微软雅黑" panose="020B0503020204020204" charset="-122"/>
                 </a:rPr>
                 <a:t>商业贷款</a:t>
               </a:r>
-              <a:endParaRPr lang="zh-CN" altLang="zh-CN" dirty="0">
-                <a:solidFill>
-                  <a:srgbClr val="FF0000"/>
+              <a:endParaRPr lang="zh-CN" altLang="zh-CN" b="1" dirty="0">
+                <a:solidFill>
+                  <a:srgbClr val="00B0F0"/>
                 </a:solidFill>
                 <a:latin typeface="微软雅黑" panose="020B0503020204020204" charset="-122"/>
                 <a:ea typeface="微软雅黑" panose="020B0503020204020204" charset="-122"/>
@@ -36316,7 +36427,7 @@
               <a:r>
                 <a:rPr lang="zh-CN" altLang="zh-CN" sz="1800" dirty="0">
                   <a:solidFill>
-                    <a:srgbClr val="FF0000"/>
+                    <a:srgbClr val="00B0F0"/>
                   </a:solidFill>
                   <a:latin typeface="微软雅黑" panose="020B0503020204020204" charset="-122"/>
                   <a:ea typeface="微软雅黑" panose="020B0503020204020204" charset="-122"/>
@@ -36336,10 +36447,11 @@
               <a:r>
                 <a:rPr lang="zh-CN" altLang="zh-CN" sz="1800" dirty="0">
                   <a:solidFill>
-                    <a:srgbClr val="FF0000"/>
+                    <a:schemeClr val="tx1"/>
                   </a:solidFill>
                   <a:latin typeface="微软雅黑" panose="020B0503020204020204" charset="-122"/>
                   <a:ea typeface="微软雅黑" panose="020B0503020204020204" charset="-122"/>
+                  <a:hlinkClick r:id="rId4" tooltip="" action="ppaction://hlinkfile"/>
                 </a:rPr>
                 <a:t>自偿性质</a:t>
               </a:r>
@@ -36356,7 +36468,7 @@
               <a:r>
                 <a:rPr lang="zh-CN" altLang="zh-CN" sz="1800" dirty="0">
                   <a:solidFill>
-                    <a:srgbClr val="FF0000"/>
+                    <a:srgbClr val="00B0F0"/>
                   </a:solidFill>
                   <a:latin typeface="微软雅黑" panose="020B0503020204020204" charset="-122"/>
                   <a:ea typeface="微软雅黑" panose="020B0503020204020204" charset="-122"/>
@@ -36376,32 +36488,12 @@
               <a:r>
                 <a:rPr lang="zh-CN" altLang="zh-CN" sz="1800" dirty="0">
                   <a:solidFill>
-                    <a:srgbClr val="FF0000"/>
+                    <a:srgbClr val="00B0F0"/>
                   </a:solidFill>
                   <a:latin typeface="微软雅黑" panose="020B0503020204020204" charset="-122"/>
                   <a:ea typeface="微软雅黑" panose="020B0503020204020204" charset="-122"/>
                 </a:rPr>
-                <a:t>必要时</a:t>
-              </a:r>
-              <a:r>
-                <a:rPr lang="zh-CN" altLang="zh-CN" sz="1800" dirty="0">
-                  <a:solidFill>
-                    <a:srgbClr val="000000"/>
-                  </a:solidFill>
-                  <a:latin typeface="微软雅黑" panose="020B0503020204020204" charset="-122"/>
-                  <a:ea typeface="微软雅黑" panose="020B0503020204020204" charset="-122"/>
-                </a:rPr>
-                <a:t>，</a:t>
-              </a:r>
-              <a:r>
-                <a:rPr lang="zh-CN" altLang="zh-CN" sz="1800" dirty="0">
-                  <a:solidFill>
-                    <a:srgbClr val="FF0000"/>
-                  </a:solidFill>
-                  <a:latin typeface="微软雅黑" panose="020B0503020204020204" charset="-122"/>
-                  <a:ea typeface="微软雅黑" panose="020B0503020204020204" charset="-122"/>
-                </a:rPr>
-                <a:t>原材料、半成品和成品等库存</a:t>
+                <a:t>必要时，原材料、半成品和成品等库存</a:t>
               </a:r>
               <a:r>
                 <a:rPr lang="zh-CN" altLang="zh-CN" sz="1800" dirty="0">
@@ -36416,7 +36508,7 @@
               <a:r>
                 <a:rPr lang="zh-CN" altLang="zh-CN" sz="1800" dirty="0">
                   <a:solidFill>
-                    <a:srgbClr val="FF0000"/>
+                    <a:srgbClr val="00B0F0"/>
                   </a:solidFill>
                   <a:latin typeface="微软雅黑" panose="020B0503020204020204" charset="-122"/>
                   <a:ea typeface="微软雅黑" panose="020B0503020204020204" charset="-122"/>
@@ -37134,7 +37226,7 @@
               <a:r>
                 <a:rPr lang="zh-CN" altLang="en-US" b="1" dirty="0">
                   <a:solidFill>
-                    <a:srgbClr val="FF0000"/>
+                    <a:srgbClr val="00B0F0"/>
                   </a:solidFill>
                   <a:latin typeface="微软雅黑" panose="020B0503020204020204" charset="-122"/>
                   <a:ea typeface="微软雅黑" panose="020B0503020204020204" charset="-122"/>
@@ -37145,7 +37237,7 @@
               <a:r>
                 <a:rPr lang="zh-CN" altLang="zh-CN" b="1" dirty="0">
                   <a:solidFill>
-                    <a:srgbClr val="FF0000"/>
+                    <a:srgbClr val="00B0F0"/>
                   </a:solidFill>
                   <a:latin typeface="微软雅黑" panose="020B0503020204020204" charset="-122"/>
                   <a:ea typeface="微软雅黑" panose="020B0503020204020204" charset="-122"/>
@@ -37155,10 +37247,11 @@
               </a:r>
               <a:endParaRPr lang="zh-CN" altLang="zh-CN" b="1" dirty="0">
                 <a:solidFill>
-                  <a:srgbClr val="FF0000"/>
+                  <a:srgbClr val="00B0F0"/>
                 </a:solidFill>
                 <a:latin typeface="微软雅黑" panose="020B0503020204020204" charset="-122"/>
                 <a:ea typeface="微软雅黑" panose="020B0503020204020204" charset="-122"/>
+                <a:sym typeface="+mn-ea"/>
               </a:endParaRPr>
             </a:p>
           </p:txBody>
@@ -37399,7 +37492,7 @@
               <a:r>
                 <a:rPr lang="zh-CN" altLang="zh-CN" sz="1800" dirty="0">
                   <a:solidFill>
-                    <a:srgbClr val="FF0000"/>
+                    <a:srgbClr val="00B0F0"/>
                   </a:solidFill>
                   <a:latin typeface="微软雅黑" panose="020B0503020204020204" charset="-122"/>
                   <a:ea typeface="微软雅黑" panose="020B0503020204020204" charset="-122"/>
@@ -37421,7 +37514,7 @@
               <a:r>
                 <a:rPr lang="zh-CN" altLang="zh-CN" sz="1800" dirty="0">
                   <a:solidFill>
-                    <a:srgbClr val="FF0000"/>
+                    <a:srgbClr val="00B0F0"/>
                   </a:solidFill>
                   <a:latin typeface="微软雅黑" panose="020B0503020204020204" charset="-122"/>
                   <a:ea typeface="微软雅黑" panose="020B0503020204020204" charset="-122"/>
@@ -37443,7 +37536,7 @@
               <a:r>
                 <a:rPr lang="zh-CN" altLang="zh-CN" sz="1800" dirty="0">
                   <a:solidFill>
-                    <a:srgbClr val="FF0000"/>
+                    <a:srgbClr val="00B0F0"/>
                   </a:solidFill>
                   <a:latin typeface="微软雅黑" panose="020B0503020204020204" charset="-122"/>
                   <a:ea typeface="微软雅黑" panose="020B0503020204020204" charset="-122"/>
@@ -37465,7 +37558,7 @@
               <a:r>
                 <a:rPr lang="zh-CN" altLang="zh-CN" sz="1800" dirty="0">
                   <a:solidFill>
-                    <a:srgbClr val="FF0000"/>
+                    <a:srgbClr val="00B0F0"/>
                   </a:solidFill>
                   <a:latin typeface="微软雅黑" panose="020B0503020204020204" charset="-122"/>
                   <a:ea typeface="微软雅黑" panose="020B0503020204020204" charset="-122"/>
@@ -37487,7 +37580,7 @@
               <a:r>
                 <a:rPr lang="en-US" altLang="zh-CN" sz="1800">
                   <a:solidFill>
-                    <a:srgbClr val="FF0000"/>
+                    <a:srgbClr val="00B0F0"/>
                   </a:solidFill>
                   <a:latin typeface="微软雅黑" panose="020B0503020204020204" charset="-122"/>
                   <a:ea typeface="微软雅黑" panose="020B0503020204020204" charset="-122"/>
@@ -37498,7 +37591,7 @@
               <a:r>
                 <a:rPr lang="zh-CN" altLang="zh-CN" sz="1800" dirty="0">
                   <a:solidFill>
-                    <a:srgbClr val="FF0000"/>
+                    <a:srgbClr val="00B0F0"/>
                   </a:solidFill>
                   <a:latin typeface="微软雅黑" panose="020B0503020204020204" charset="-122"/>
                   <a:ea typeface="微软雅黑" panose="020B0503020204020204" charset="-122"/>
@@ -37509,7 +37602,7 @@
               <a:r>
                 <a:rPr lang="en-US" altLang="zh-CN" sz="1800">
                   <a:solidFill>
-                    <a:srgbClr val="FF0000"/>
+                    <a:srgbClr val="00B0F0"/>
                   </a:solidFill>
                   <a:latin typeface="微软雅黑" panose="020B0503020204020204" charset="-122"/>
                   <a:ea typeface="微软雅黑" panose="020B0503020204020204" charset="-122"/>
@@ -37520,7 +37613,7 @@
               <a:r>
                 <a:rPr lang="zh-CN" altLang="zh-CN" sz="1800" dirty="0">
                   <a:solidFill>
-                    <a:srgbClr val="FF0000"/>
+                    <a:srgbClr val="00B0F0"/>
                   </a:solidFill>
                   <a:latin typeface="微软雅黑" panose="020B0503020204020204" charset="-122"/>
                   <a:ea typeface="微软雅黑" panose="020B0503020204020204" charset="-122"/>
@@ -38035,10 +38128,10 @@
         </p:nvGrpSpPr>
         <p:grpSpPr>
           <a:xfrm>
-            <a:off x="2180590" y="1421130"/>
-            <a:ext cx="8181975" cy="4442460"/>
+            <a:off x="1786890" y="1429385"/>
+            <a:ext cx="8617585" cy="4248342"/>
             <a:chOff x="1530" y="2225"/>
-            <a:chExt cx="12885" cy="6996"/>
+            <a:chExt cx="12885" cy="6640"/>
           </a:xfrm>
         </p:grpSpPr>
         <p:sp>
@@ -38050,7 +38143,7 @@
           <p:spPr>
             <a:xfrm>
               <a:off x="6620" y="2225"/>
-              <a:ext cx="2808" cy="667"/>
+              <a:ext cx="2808" cy="662"/>
             </a:xfrm>
             <a:prstGeom prst="rect">
               <a:avLst/>
@@ -38061,7 +38154,7 @@
             </a:ln>
           </p:spPr>
           <p:txBody>
-            <a:bodyPr wrap="none" anchor="t" anchorCtr="false">
+            <a:bodyPr wrap="square" anchor="t" anchorCtr="false">
               <a:spAutoFit/>
             </a:bodyPr>
             <a:p>
@@ -38076,7 +38169,7 @@
               <a:r>
                 <a:rPr lang="zh-CN" altLang="en-US" b="1" dirty="0">
                   <a:solidFill>
-                    <a:srgbClr val="FF0000"/>
+                    <a:srgbClr val="00B0F0"/>
                   </a:solidFill>
                   <a:latin typeface="微软雅黑" panose="020B0503020204020204" charset="-122"/>
                   <a:ea typeface="微软雅黑" panose="020B0503020204020204" charset="-122"/>
@@ -38087,7 +38180,7 @@
               <a:r>
                 <a:rPr lang="zh-CN" altLang="zh-CN" b="1" dirty="0">
                   <a:solidFill>
-                    <a:srgbClr val="FF0000"/>
+                    <a:srgbClr val="00B0F0"/>
                   </a:solidFill>
                   <a:latin typeface="微软雅黑" panose="020B0503020204020204" charset="-122"/>
                   <a:ea typeface="微软雅黑" panose="020B0503020204020204" charset="-122"/>
@@ -38097,10 +38190,11 @@
               </a:r>
               <a:endParaRPr lang="zh-CN" altLang="zh-CN" b="1" dirty="0">
                 <a:solidFill>
-                  <a:srgbClr val="FF0000"/>
+                  <a:srgbClr val="00B0F0"/>
                 </a:solidFill>
                 <a:latin typeface="微软雅黑" panose="020B0503020204020204" charset="-122"/>
                 <a:ea typeface="微软雅黑" panose="020B0503020204020204" charset="-122"/>
+                <a:sym typeface="+mn-ea"/>
               </a:endParaRPr>
             </a:p>
           </p:txBody>
@@ -38244,14 +38338,14 @@
           <p:spPr>
             <a:xfrm>
               <a:off x="5878" y="3235"/>
-              <a:ext cx="4190" cy="610"/>
+              <a:ext cx="4190" cy="603"/>
             </a:xfrm>
             <a:prstGeom prst="rect">
               <a:avLst/>
             </a:prstGeom>
           </p:spPr>
           <p:txBody>
-            <a:bodyPr wrap="none">
+            <a:bodyPr wrap="square">
               <a:spAutoFit/>
             </a:bodyPr>
             <a:p>
@@ -38316,7 +38410,7 @@
           <p:spPr>
             <a:xfrm>
               <a:off x="1530" y="4410"/>
-              <a:ext cx="12588" cy="4811"/>
+              <a:ext cx="12588" cy="4125"/>
             </a:xfrm>
             <a:prstGeom prst="rect">
               <a:avLst/>
@@ -38355,7 +38449,7 @@
               <a:r>
                 <a:rPr lang="zh-CN" altLang="zh-CN" sz="1800" dirty="0">
                   <a:solidFill>
-                    <a:srgbClr val="FF0000"/>
+                    <a:srgbClr val="00B0F0"/>
                   </a:solidFill>
                   <a:latin typeface="微软雅黑" panose="020B0503020204020204" charset="-122"/>
                   <a:ea typeface="微软雅黑" panose="020B0503020204020204" charset="-122"/>
@@ -38375,7 +38469,7 @@
               <a:r>
                 <a:rPr lang="zh-CN" altLang="zh-CN" sz="1800" dirty="0">
                   <a:solidFill>
-                    <a:srgbClr val="FF0000"/>
+                    <a:srgbClr val="00B0F0"/>
                   </a:solidFill>
                   <a:latin typeface="微软雅黑" panose="020B0503020204020204" charset="-122"/>
                   <a:ea typeface="微软雅黑" panose="020B0503020204020204" charset="-122"/>
@@ -38395,7 +38489,7 @@
               <a:r>
                 <a:rPr lang="zh-CN" altLang="zh-CN" sz="1800" dirty="0">
                   <a:solidFill>
-                    <a:srgbClr val="FF0000"/>
+                    <a:srgbClr val="00B0F0"/>
                   </a:solidFill>
                   <a:latin typeface="微软雅黑" panose="020B0503020204020204" charset="-122"/>
                   <a:ea typeface="微软雅黑" panose="020B0503020204020204" charset="-122"/>
@@ -38445,7 +38539,7 @@
               <a:r>
                 <a:rPr lang="zh-CN" altLang="zh-CN" sz="1800" dirty="0">
                   <a:solidFill>
-                    <a:srgbClr val="FF0000"/>
+                    <a:srgbClr val="00B0F0"/>
                   </a:solidFill>
                   <a:latin typeface="微软雅黑" panose="020B0503020204020204" charset="-122"/>
                   <a:ea typeface="微软雅黑" panose="020B0503020204020204" charset="-122"/>
@@ -38460,7 +38554,27 @@
                   <a:latin typeface="微软雅黑" panose="020B0503020204020204" charset="-122"/>
                   <a:ea typeface="微软雅黑" panose="020B0503020204020204" charset="-122"/>
                 </a:rPr>
-                <a:t>，因而银行要承担全部的金融风险（利率风险，流动性风险和信用风险等）。</a:t>
+                <a:t>，因而银行要承担全部的</a:t>
+              </a:r>
+              <a:r>
+                <a:rPr lang="zh-CN" altLang="zh-CN" sz="1800" dirty="0">
+                  <a:solidFill>
+                    <a:srgbClr val="00B0F0"/>
+                  </a:solidFill>
+                  <a:latin typeface="微软雅黑" panose="020B0503020204020204" charset="-122"/>
+                  <a:ea typeface="微软雅黑" panose="020B0503020204020204" charset="-122"/>
+                </a:rPr>
+                <a:t>金融风险</a:t>
+              </a:r>
+              <a:r>
+                <a:rPr lang="zh-CN" altLang="zh-CN" sz="1800" dirty="0">
+                  <a:solidFill>
+                    <a:srgbClr val="000000"/>
+                  </a:solidFill>
+                  <a:latin typeface="微软雅黑" panose="020B0503020204020204" charset="-122"/>
+                  <a:ea typeface="微软雅黑" panose="020B0503020204020204" charset="-122"/>
+                </a:rPr>
+                <a:t>（利率风险，流动性风险和信用风险等）。</a:t>
               </a:r>
               <a:endParaRPr lang="zh-CN" altLang="zh-CN" sz="1800" dirty="0">
                 <a:solidFill>
@@ -41634,7 +41748,7 @@
               <a:r>
                 <a:rPr lang="zh-CN" altLang="zh-CN" sz="2000" b="1" dirty="0">
                   <a:solidFill>
-                    <a:srgbClr val="FF0000"/>
+                    <a:schemeClr val="tx1"/>
                   </a:solidFill>
                   <a:latin typeface="微软雅黑" panose="020B0503020204020204" charset="-122"/>
                   <a:ea typeface="微软雅黑" panose="020B0503020204020204" charset="-122"/>
@@ -41643,7 +41757,7 @@
               </a:r>
               <a:endParaRPr lang="zh-CN" altLang="zh-CN" sz="2000" b="1" dirty="0">
                 <a:solidFill>
-                  <a:srgbClr val="FF0000"/>
+                  <a:schemeClr val="tx1"/>
                 </a:solidFill>
                 <a:latin typeface="微软雅黑" panose="020B0503020204020204" charset="-122"/>
                 <a:ea typeface="微软雅黑" panose="020B0503020204020204" charset="-122"/>
@@ -41781,7 +41895,7 @@
               <a:r>
                 <a:rPr lang="zh-CN" altLang="zh-CN" sz="2000" dirty="0">
                   <a:solidFill>
-                    <a:srgbClr val="FF0000"/>
+                    <a:srgbClr val="00B0F0"/>
                   </a:solidFill>
                   <a:latin typeface="微软雅黑" panose="020B0503020204020204" charset="-122"/>
                   <a:ea typeface="微软雅黑" panose="020B0503020204020204" charset="-122"/>
@@ -41798,7 +41912,7 @@
               <a:r>
                 <a:rPr lang="zh-CN" altLang="zh-CN" sz="2000" dirty="0">
                   <a:solidFill>
-                    <a:srgbClr val="FF0000"/>
+                    <a:srgbClr val="00B0F0"/>
                   </a:solidFill>
                   <a:latin typeface="微软雅黑" panose="020B0503020204020204" charset="-122"/>
                   <a:ea typeface="微软雅黑" panose="020B0503020204020204" charset="-122"/>
@@ -41952,7 +42066,7 @@
               <a:r>
                 <a:rPr lang="zh-CN" altLang="zh-CN" sz="1800" dirty="0">
                   <a:solidFill>
-                    <a:srgbClr val="FF0000"/>
+                    <a:srgbClr val="00B0F0"/>
                   </a:solidFill>
                   <a:latin typeface="微软雅黑" panose="020B0503020204020204" charset="-122"/>
                   <a:ea typeface="微软雅黑" panose="020B0503020204020204" charset="-122"/>
@@ -42022,7 +42136,7 @@
               <a:r>
                 <a:rPr lang="zh-CN" altLang="zh-CN" sz="1800" dirty="0">
                   <a:solidFill>
-                    <a:srgbClr val="FF0000"/>
+                    <a:srgbClr val="00B0F0"/>
                   </a:solidFill>
                   <a:latin typeface="微软雅黑" panose="020B0503020204020204" charset="-122"/>
                   <a:ea typeface="微软雅黑" panose="020B0503020204020204" charset="-122"/>
@@ -42117,7 +42231,7 @@
               <a:r>
                 <a:rPr lang="zh-CN" altLang="zh-CN" sz="1800" dirty="0">
                   <a:solidFill>
-                    <a:srgbClr val="FF0000"/>
+                    <a:srgbClr val="00B0F0"/>
                   </a:solidFill>
                   <a:latin typeface="微软雅黑" panose="020B0503020204020204" charset="-122"/>
                   <a:ea typeface="微软雅黑" panose="020B0503020204020204" charset="-122"/>
@@ -43332,7 +43446,7 @@
             <a:r>
               <a:rPr lang="zh-CN" altLang="zh-CN" sz="2000" dirty="0">
                 <a:solidFill>
-                  <a:srgbClr val="FF0000"/>
+                  <a:srgbClr val="00B0F0"/>
                 </a:solidFill>
                 <a:latin typeface="微软雅黑" panose="020B0503020204020204" charset="-122"/>
                 <a:ea typeface="微软雅黑" panose="020B0503020204020204" charset="-122"/>
@@ -43352,7 +43466,7 @@
             <a:r>
               <a:rPr lang="zh-CN" altLang="zh-CN" sz="2000" dirty="0">
                 <a:solidFill>
-                  <a:srgbClr val="FF0000"/>
+                  <a:srgbClr val="00B0F0"/>
                 </a:solidFill>
                 <a:latin typeface="微软雅黑" panose="020B0503020204020204" charset="-122"/>
                 <a:ea typeface="微软雅黑" panose="020B0503020204020204" charset="-122"/>
@@ -43372,7 +43486,7 @@
             <a:r>
               <a:rPr lang="zh-CN" altLang="zh-CN" sz="2000" dirty="0">
                 <a:solidFill>
-                  <a:srgbClr val="FF0000"/>
+                  <a:srgbClr val="00B0F0"/>
                 </a:solidFill>
                 <a:latin typeface="微软雅黑" panose="020B0503020204020204" charset="-122"/>
                 <a:ea typeface="微软雅黑" panose="020B0503020204020204" charset="-122"/>
@@ -43422,7 +43536,7 @@
             <a:r>
               <a:rPr lang="zh-CN" altLang="zh-CN" sz="2000" dirty="0">
                 <a:solidFill>
-                  <a:srgbClr val="FF0000"/>
+                  <a:srgbClr val="00B0F0"/>
                 </a:solidFill>
                 <a:latin typeface="微软雅黑" panose="020B0503020204020204" charset="-122"/>
                 <a:ea typeface="微软雅黑" panose="020B0503020204020204" charset="-122"/>
@@ -43442,7 +43556,7 @@
             <a:r>
               <a:rPr lang="zh-CN" altLang="zh-CN" sz="2000" dirty="0">
                 <a:solidFill>
-                  <a:srgbClr val="FF0000"/>
+                  <a:srgbClr val="00B0F0"/>
                 </a:solidFill>
                 <a:latin typeface="微软雅黑" panose="020B0503020204020204" charset="-122"/>
                 <a:ea typeface="微软雅黑" panose="020B0503020204020204" charset="-122"/>
@@ -43462,7 +43576,7 @@
             <a:r>
               <a:rPr lang="zh-CN" altLang="zh-CN" sz="2000" dirty="0">
                 <a:solidFill>
-                  <a:srgbClr val="FF0000"/>
+                  <a:srgbClr val="00B0F0"/>
                 </a:solidFill>
                 <a:latin typeface="微软雅黑" panose="020B0503020204020204" charset="-122"/>
                 <a:ea typeface="微软雅黑" panose="020B0503020204020204" charset="-122"/>
@@ -43482,7 +43596,7 @@
             <a:r>
               <a:rPr lang="zh-CN" altLang="zh-CN" sz="2000" dirty="0">
                 <a:solidFill>
-                  <a:srgbClr val="FF0000"/>
+                  <a:srgbClr val="00B0F0"/>
                 </a:solidFill>
                 <a:latin typeface="微软雅黑" panose="020B0503020204020204" charset="-122"/>
                 <a:ea typeface="微软雅黑" panose="020B0503020204020204" charset="-122"/>
@@ -43558,7 +43672,7 @@
             <a:r>
               <a:rPr lang="zh-CN" altLang="zh-CN" sz="2000" dirty="0">
                 <a:solidFill>
-                  <a:srgbClr val="FF0000"/>
+                  <a:srgbClr val="00B0F0"/>
                 </a:solidFill>
                 <a:latin typeface="微软雅黑" panose="020B0503020204020204" charset="-122"/>
                 <a:ea typeface="微软雅黑" panose="020B0503020204020204" charset="-122"/>
@@ -43580,7 +43694,7 @@
             <a:r>
               <a:rPr lang="zh-CN" altLang="zh-CN" sz="2000" dirty="0">
                 <a:solidFill>
-                  <a:srgbClr val="FF0000"/>
+                  <a:srgbClr val="00B0F0"/>
                 </a:solidFill>
                 <a:latin typeface="微软雅黑" panose="020B0503020204020204" charset="-122"/>
                 <a:ea typeface="微软雅黑" panose="020B0503020204020204" charset="-122"/>
@@ -43602,7 +43716,7 @@
             <a:r>
               <a:rPr lang="en-US" altLang="zh-CN" sz="2000">
                 <a:solidFill>
-                  <a:srgbClr val="FF0000"/>
+                  <a:srgbClr val="00B0F0"/>
                 </a:solidFill>
                 <a:latin typeface="微软雅黑" panose="020B0503020204020204" charset="-122"/>
                 <a:ea typeface="微软雅黑" panose="020B0503020204020204" charset="-122"/>
@@ -43613,7 +43727,7 @@
             <a:r>
               <a:rPr lang="zh-CN" altLang="zh-CN" sz="2000" dirty="0">
                 <a:solidFill>
-                  <a:srgbClr val="FF0000"/>
+                  <a:srgbClr val="00B0F0"/>
                 </a:solidFill>
                 <a:latin typeface="微软雅黑" panose="020B0503020204020204" charset="-122"/>
                 <a:ea typeface="微软雅黑" panose="020B0503020204020204" charset="-122"/>
@@ -44576,7 +44690,7 @@
             <a:r>
               <a:rPr lang="zh-CN" altLang="en-US">
                 <a:solidFill>
-                  <a:srgbClr val="FF0000"/>
+                  <a:srgbClr val="00B0F0"/>
                 </a:solidFill>
                 <a:latin typeface="微软雅黑" panose="020B0503020204020204" charset="-122"/>
                 <a:ea typeface="微软雅黑" panose="020B0503020204020204" charset="-122"/>
@@ -44595,7 +44709,7 @@
             <a:r>
               <a:rPr lang="zh-CN" altLang="en-US">
                 <a:solidFill>
-                  <a:srgbClr val="FF0000"/>
+                  <a:srgbClr val="00B0F0"/>
                 </a:solidFill>
                 <a:latin typeface="微软雅黑" panose="020B0503020204020204" charset="-122"/>
                 <a:ea typeface="微软雅黑" panose="020B0503020204020204" charset="-122"/>
@@ -44614,7 +44728,7 @@
             <a:r>
               <a:rPr lang="zh-CN" altLang="en-US">
                 <a:solidFill>
-                  <a:srgbClr val="FF0000"/>
+                  <a:srgbClr val="00B0F0"/>
                 </a:solidFill>
                 <a:latin typeface="微软雅黑" panose="020B0503020204020204" charset="-122"/>
                 <a:ea typeface="微软雅黑" panose="020B0503020204020204" charset="-122"/>
@@ -44633,7 +44747,7 @@
             <a:r>
               <a:rPr lang="zh-CN" altLang="en-US">
                 <a:solidFill>
-                  <a:srgbClr val="FF0000"/>
+                  <a:srgbClr val="00B0F0"/>
                 </a:solidFill>
                 <a:latin typeface="微软雅黑" panose="020B0503020204020204" charset="-122"/>
                 <a:ea typeface="微软雅黑" panose="020B0503020204020204" charset="-122"/>
@@ -44682,7 +44796,7 @@
             <a:r>
               <a:rPr lang="zh-CN" altLang="en-US">
                 <a:solidFill>
-                  <a:srgbClr val="FF0000"/>
+                  <a:srgbClr val="00B0F0"/>
                 </a:solidFill>
                 <a:latin typeface="微软雅黑" panose="020B0503020204020204" charset="-122"/>
                 <a:ea typeface="微软雅黑" panose="020B0503020204020204" charset="-122"/>
@@ -44731,7 +44845,7 @@
             <a:r>
               <a:rPr lang="zh-CN" altLang="en-US">
                 <a:solidFill>
-                  <a:srgbClr val="FF0000"/>
+                  <a:srgbClr val="00B0F0"/>
                 </a:solidFill>
                 <a:latin typeface="微软雅黑" panose="020B0503020204020204" charset="-122"/>
                 <a:ea typeface="微软雅黑" panose="020B0503020204020204" charset="-122"/>
@@ -44780,7 +44894,7 @@
             <a:r>
               <a:rPr lang="zh-CN" altLang="en-US">
                 <a:solidFill>
-                  <a:srgbClr val="FF0000"/>
+                  <a:srgbClr val="00B0F0"/>
                 </a:solidFill>
                 <a:latin typeface="微软雅黑" panose="020B0503020204020204" charset="-122"/>
                 <a:ea typeface="微软雅黑" panose="020B0503020204020204" charset="-122"/>
@@ -44799,7 +44913,7 @@
             <a:r>
               <a:rPr lang="zh-CN" altLang="en-US">
                 <a:solidFill>
-                  <a:srgbClr val="FF0000"/>
+                  <a:srgbClr val="00B0F0"/>
                 </a:solidFill>
                 <a:latin typeface="微软雅黑" panose="020B0503020204020204" charset="-122"/>
                 <a:ea typeface="微软雅黑" panose="020B0503020204020204" charset="-122"/>
@@ -44818,7 +44932,7 @@
             <a:r>
               <a:rPr lang="zh-CN" altLang="en-US">
                 <a:solidFill>
-                  <a:srgbClr val="FF0000"/>
+                  <a:srgbClr val="00B0F0"/>
                 </a:solidFill>
                 <a:latin typeface="微软雅黑" panose="020B0503020204020204" charset="-122"/>
                 <a:ea typeface="微软雅黑" panose="020B0503020204020204" charset="-122"/>
@@ -44837,7 +44951,7 @@
             <a:r>
               <a:rPr lang="zh-CN" altLang="en-US">
                 <a:solidFill>
-                  <a:srgbClr val="FF0000"/>
+                  <a:srgbClr val="00B0F0"/>
                 </a:solidFill>
                 <a:latin typeface="微软雅黑" panose="020B0503020204020204" charset="-122"/>
                 <a:ea typeface="微软雅黑" panose="020B0503020204020204" charset="-122"/>

--- a/files/slides/lecture_19.pptx
+++ b/files/slides/lecture_19.pptx
@@ -8571,7 +8571,7 @@
                   <a:ea typeface="微软雅黑" panose="020B0503020204020204" charset="-122"/>
                   <a:cs typeface="微软雅黑" panose="020B0503020204020204" charset="-122"/>
                 </a:rPr>
-                <a:t>间存在一种契约关系</a:t>
+                <a:t>间存在的一种契约关系</a:t>
               </a:r>
               <a:r>
                 <a:rPr lang="zh-CN" altLang="zh-CN" sz="1600" dirty="0">
@@ -9795,7 +9795,7 @@
                   <a:ea typeface="微软雅黑" panose="020B0503020204020204" charset="-122"/>
                   <a:cs typeface="微软雅黑" panose="020B0503020204020204" charset="-122"/>
                 </a:rPr>
-                <a:t>出口信用保险，也叫出口信贷保险，属于非营利性的保险业务，是政府对市场经济的一种间接调控手段和补充。</a:t>
+                <a:t>出口信用保险，也叫出口信贷保险，属于非营利性的保险业务，是政府对市场经济的一种间接调控手段。</a:t>
               </a:r>
               <a:br>
                 <a:rPr lang="zh-CN" altLang="en-US" sz="1800" b="0">
@@ -11025,7 +11025,7 @@
                 <a:ea typeface="微软雅黑" panose="020B0503020204020204" charset="-122"/>
                 <a:cs typeface="+mn-cs"/>
               </a:rPr>
-              <a:t>措施，降低担保风险。</a:t>
+              <a:t>等措施，降低担保风险。</a:t>
             </a:r>
             <a:endParaRPr lang="zh-CN" altLang="en-US">
               <a:solidFill>
@@ -23659,7 +23659,7 @@
                   <a:latin typeface="微软雅黑" panose="020B0503020204020204" charset="-122"/>
                   <a:ea typeface="微软雅黑" panose="020B0503020204020204" charset="-122"/>
                   <a:cs typeface="微软雅黑" panose="020B0503020204020204" charset="-122"/>
-                  <a:hlinkClick r:id="rId4" tooltip="" action="ppaction://hlinkfile"/>
+                  <a:hlinkClick r:id="rId4" action="ppaction://hlinkfile"/>
                 </a:rPr>
                 <a:t>LIBOR</a:t>
               </a:r>
@@ -26261,7 +26261,7 @@
                 <a:ea typeface="微软雅黑" panose="020B0503020204020204" charset="-122"/>
                 <a:cs typeface="微软雅黑" panose="020B0503020204020204" charset="-122"/>
               </a:rPr>
-              <a:t>。在上例中，投资者承担1-2个债券违约的风险而避免了更大程度上的损失。 </a:t>
+              <a:t>。在上例中，投资者只承担1-2个债券违约的风险而避免了更大程度上的损失。 </a:t>
             </a:r>
             <a:endParaRPr lang="zh-CN" altLang="en-US">
               <a:latin typeface="微软雅黑" panose="020B0503020204020204" charset="-122"/>
@@ -30062,7 +30062,7 @@
                       <a:ea typeface="微软雅黑" panose="020B0503020204020204" charset="-122"/>
                       <a:cs typeface="微软雅黑" panose="020B0503020204020204" charset="-122"/>
                     </a:rPr>
-                    <a:t>，主要是用来针对债券等级下降时回避此类信用风险。</a:t>
+                    <a:t>，主要用来规避债券等级下降带来的信用风险。</a:t>
                   </a:r>
                   <a:endParaRPr kumimoji="0" lang="zh-CN" altLang="en-US" sz="1800" i="0" u="none" strike="noStrike" kern="1200" cap="none" spc="0" normalizeH="0" baseline="0" noProof="0" dirty="0">
                     <a:ln>
@@ -30982,7 +30982,7 @@
                 <a:ea typeface="微软雅黑" panose="020B0503020204020204" charset="-122"/>
                 <a:cs typeface="微软雅黑" panose="020B0503020204020204" charset="-122"/>
               </a:rPr>
-              <a:t>信用联系票据是指</a:t>
+              <a:t>信用关联票据是指</a:t>
             </a:r>
             <a:r>
               <a:rPr lang="zh-CN" altLang="en-US">
@@ -36451,7 +36451,7 @@
                   </a:solidFill>
                   <a:latin typeface="微软雅黑" panose="020B0503020204020204" charset="-122"/>
                   <a:ea typeface="微软雅黑" panose="020B0503020204020204" charset="-122"/>
-                  <a:hlinkClick r:id="rId4" tooltip="" action="ppaction://hlinkfile"/>
+                  <a:hlinkClick r:id="rId4" action="ppaction://hlinkfile"/>
                 </a:rPr>
                 <a:t>自偿性质</a:t>
               </a:r>
@@ -39049,10 +39049,10 @@
         </p:nvGrpSpPr>
         <p:grpSpPr>
           <a:xfrm>
-            <a:off x="1909445" y="1168400"/>
-            <a:ext cx="8373745" cy="5235575"/>
+            <a:off x="1909445" y="1042670"/>
+            <a:ext cx="8373745" cy="5327650"/>
             <a:chOff x="818" y="1998"/>
-            <a:chExt cx="13187" cy="8245"/>
+            <a:chExt cx="13187" cy="8390"/>
           </a:xfrm>
         </p:grpSpPr>
         <p:grpSp>
@@ -42026,7 +42026,7 @@
           </p:nvSpPr>
           <p:spPr>
             <a:xfrm>
-              <a:off x="7335" y="7305"/>
+              <a:off x="7335" y="7450"/>
               <a:ext cx="6670" cy="2938"/>
             </a:xfrm>
             <a:prstGeom prst="rect">
